--- a/pics/2020-08-20-normal_vector/pics.pptx
+++ b/pics/2020-08-20-normal_vector/pics.pptx
@@ -6,7 +6,9 @@
   </p:sldMasterIdLst>
   <p:sldIdLst>
     <p:sldId id="256" r:id="rId2"/>
-    <p:sldId id="258" r:id="rId3"/>
+    <p:sldId id="259" r:id="rId3"/>
+    <p:sldId id="260" r:id="rId4"/>
+    <p:sldId id="258" r:id="rId5"/>
   </p:sldIdLst>
   <p:sldSz cx="12192000" cy="6858000"/>
   <p:notesSz cx="6858000" cy="9144000"/>
@@ -260,7 +262,7 @@
           <a:p>
             <a:fld id="{A73E19DC-0A57-4D88-9168-1A8C8EF358CA}" type="datetimeFigureOut">
               <a:rPr lang="ko-KR" altLang="en-US" smtClean="0"/>
-              <a:t>2020-08-26</a:t>
+              <a:t>2023-04-28</a:t>
             </a:fld>
             <a:endParaRPr lang="ko-KR" altLang="en-US"/>
           </a:p>
@@ -458,7 +460,7 @@
           <a:p>
             <a:fld id="{A73E19DC-0A57-4D88-9168-1A8C8EF358CA}" type="datetimeFigureOut">
               <a:rPr lang="ko-KR" altLang="en-US" smtClean="0"/>
-              <a:t>2020-08-26</a:t>
+              <a:t>2023-04-28</a:t>
             </a:fld>
             <a:endParaRPr lang="ko-KR" altLang="en-US"/>
           </a:p>
@@ -666,7 +668,7 @@
           <a:p>
             <a:fld id="{A73E19DC-0A57-4D88-9168-1A8C8EF358CA}" type="datetimeFigureOut">
               <a:rPr lang="ko-KR" altLang="en-US" smtClean="0"/>
-              <a:t>2020-08-26</a:t>
+              <a:t>2023-04-28</a:t>
             </a:fld>
             <a:endParaRPr lang="ko-KR" altLang="en-US"/>
           </a:p>
@@ -864,7 +866,7 @@
           <a:p>
             <a:fld id="{A73E19DC-0A57-4D88-9168-1A8C8EF358CA}" type="datetimeFigureOut">
               <a:rPr lang="ko-KR" altLang="en-US" smtClean="0"/>
-              <a:t>2020-08-26</a:t>
+              <a:t>2023-04-28</a:t>
             </a:fld>
             <a:endParaRPr lang="ko-KR" altLang="en-US"/>
           </a:p>
@@ -1139,7 +1141,7 @@
           <a:p>
             <a:fld id="{A73E19DC-0A57-4D88-9168-1A8C8EF358CA}" type="datetimeFigureOut">
               <a:rPr lang="ko-KR" altLang="en-US" smtClean="0"/>
-              <a:t>2020-08-26</a:t>
+              <a:t>2023-04-28</a:t>
             </a:fld>
             <a:endParaRPr lang="ko-KR" altLang="en-US"/>
           </a:p>
@@ -1404,7 +1406,7 @@
           <a:p>
             <a:fld id="{A73E19DC-0A57-4D88-9168-1A8C8EF358CA}" type="datetimeFigureOut">
               <a:rPr lang="ko-KR" altLang="en-US" smtClean="0"/>
-              <a:t>2020-08-26</a:t>
+              <a:t>2023-04-28</a:t>
             </a:fld>
             <a:endParaRPr lang="ko-KR" altLang="en-US"/>
           </a:p>
@@ -1816,7 +1818,7 @@
           <a:p>
             <a:fld id="{A73E19DC-0A57-4D88-9168-1A8C8EF358CA}" type="datetimeFigureOut">
               <a:rPr lang="ko-KR" altLang="en-US" smtClean="0"/>
-              <a:t>2020-08-26</a:t>
+              <a:t>2023-04-28</a:t>
             </a:fld>
             <a:endParaRPr lang="ko-KR" altLang="en-US"/>
           </a:p>
@@ -1957,7 +1959,7 @@
           <a:p>
             <a:fld id="{A73E19DC-0A57-4D88-9168-1A8C8EF358CA}" type="datetimeFigureOut">
               <a:rPr lang="ko-KR" altLang="en-US" smtClean="0"/>
-              <a:t>2020-08-26</a:t>
+              <a:t>2023-04-28</a:t>
             </a:fld>
             <a:endParaRPr lang="ko-KR" altLang="en-US"/>
           </a:p>
@@ -2070,7 +2072,7 @@
           <a:p>
             <a:fld id="{A73E19DC-0A57-4D88-9168-1A8C8EF358CA}" type="datetimeFigureOut">
               <a:rPr lang="ko-KR" altLang="en-US" smtClean="0"/>
-              <a:t>2020-08-26</a:t>
+              <a:t>2023-04-28</a:t>
             </a:fld>
             <a:endParaRPr lang="ko-KR" altLang="en-US"/>
           </a:p>
@@ -2381,7 +2383,7 @@
           <a:p>
             <a:fld id="{A73E19DC-0A57-4D88-9168-1A8C8EF358CA}" type="datetimeFigureOut">
               <a:rPr lang="ko-KR" altLang="en-US" smtClean="0"/>
-              <a:t>2020-08-26</a:t>
+              <a:t>2023-04-28</a:t>
             </a:fld>
             <a:endParaRPr lang="ko-KR" altLang="en-US"/>
           </a:p>
@@ -2669,7 +2671,7 @@
           <a:p>
             <a:fld id="{A73E19DC-0A57-4D88-9168-1A8C8EF358CA}" type="datetimeFigureOut">
               <a:rPr lang="ko-KR" altLang="en-US" smtClean="0"/>
-              <a:t>2020-08-26</a:t>
+              <a:t>2023-04-28</a:t>
             </a:fld>
             <a:endParaRPr lang="ko-KR" altLang="en-US"/>
           </a:p>
@@ -2910,7 +2912,7 @@
           <a:p>
             <a:fld id="{A73E19DC-0A57-4D88-9168-1A8C8EF358CA}" type="datetimeFigureOut">
               <a:rPr lang="ko-KR" altLang="en-US" smtClean="0"/>
-              <a:t>2020-08-26</a:t>
+              <a:t>2023-04-28</a:t>
             </a:fld>
             <a:endParaRPr lang="ko-KR" altLang="en-US"/>
           </a:p>
@@ -4889,6 +4891,1540 @@
       </p:grpSpPr>
       <p:pic>
         <p:nvPicPr>
+          <p:cNvPr id="19" name="그림 18">
+            <a:extLst>
+              <a:ext uri="{FF2B5EF4-FFF2-40B4-BE49-F238E27FC236}">
+                <a16:creationId xmlns:a16="http://schemas.microsoft.com/office/drawing/2014/main" id="{1A554D1C-2C09-4BF4-A4D2-F79776706639}"/>
+              </a:ext>
+            </a:extLst>
+          </p:cNvPr>
+          <p:cNvPicPr>
+            <a:picLocks noChangeAspect="1"/>
+          </p:cNvPicPr>
+          <p:nvPr/>
+        </p:nvPicPr>
+        <p:blipFill>
+          <a:blip r:embed="rId2">
+            <a:extLst>
+              <a:ext uri="{28A0092B-C50C-407E-A947-70E740481C1C}">
+                <a14:useLocalDpi xmlns:a14="http://schemas.microsoft.com/office/drawing/2010/main" val="0"/>
+              </a:ext>
+            </a:extLst>
+          </a:blip>
+          <a:stretch>
+            <a:fillRect/>
+          </a:stretch>
+        </p:blipFill>
+        <p:spPr>
+          <a:xfrm>
+            <a:off x="1197019" y="1115448"/>
+            <a:ext cx="9299396" cy="5052235"/>
+          </a:xfrm>
+          <a:prstGeom prst="rect">
+            <a:avLst/>
+          </a:prstGeom>
+        </p:spPr>
+      </p:pic>
+      <mc:AlternateContent xmlns:mc="http://schemas.openxmlformats.org/markup-compatibility/2006" xmlns:a14="http://schemas.microsoft.com/office/drawing/2010/main">
+        <mc:Choice Requires="a14">
+          <p:sp>
+            <p:nvSpPr>
+              <p:cNvPr id="8" name="TextBox 7">
+                <a:extLst>
+                  <a:ext uri="{FF2B5EF4-FFF2-40B4-BE49-F238E27FC236}">
+                    <a16:creationId xmlns:a16="http://schemas.microsoft.com/office/drawing/2014/main" id="{2E7E3050-0307-4FE0-B8E2-BEC75D7582F2}"/>
+                  </a:ext>
+                </a:extLst>
+              </p:cNvPr>
+              <p:cNvSpPr txBox="1"/>
+              <p:nvPr/>
+            </p:nvSpPr>
+            <p:spPr>
+              <a:xfrm>
+                <a:off x="4259202" y="3618623"/>
+                <a:ext cx="358695" cy="326860"/>
+              </a:xfrm>
+              <a:prstGeom prst="rect">
+                <a:avLst/>
+              </a:prstGeom>
+              <a:noFill/>
+            </p:spPr>
+            <p:txBody>
+              <a:bodyPr wrap="none" rtlCol="0">
+                <a:spAutoFit/>
+              </a:bodyPr>
+              <a:lstStyle/>
+              <a:p>
+                <a:pPr/>
+                <a14:m>
+                  <m:oMathPara xmlns:m="http://schemas.openxmlformats.org/officeDocument/2006/math">
+                    <m:oMathParaPr>
+                      <m:jc m:val="centerGroup"/>
+                    </m:oMathParaPr>
+                    <m:oMath xmlns:m="http://schemas.openxmlformats.org/officeDocument/2006/math">
+                      <m:r>
+                        <a:rPr lang="en-US" altLang="ko-KR" b="0" i="1" smtClean="0">
+                          <a:latin typeface="Cambria Math" panose="02040503050406030204" pitchFamily="18" charset="0"/>
+                        </a:rPr>
+                        <m:t>𝑢</m:t>
+                      </m:r>
+                    </m:oMath>
+                  </m:oMathPara>
+                </a14:m>
+                <a:endParaRPr lang="ko-KR" altLang="en-US" dirty="0"/>
+              </a:p>
+            </p:txBody>
+          </p:sp>
+        </mc:Choice>
+        <mc:Fallback xmlns="">
+          <p:sp>
+            <p:nvSpPr>
+              <p:cNvPr id="8" name="TextBox 7">
+                <a:extLst>
+                  <a:ext uri="{FF2B5EF4-FFF2-40B4-BE49-F238E27FC236}">
+                    <a16:creationId xmlns:a16="http://schemas.microsoft.com/office/drawing/2014/main" id="{2E7E3050-0307-4FE0-B8E2-BEC75D7582F2}"/>
+                  </a:ext>
+                </a:extLst>
+              </p:cNvPr>
+              <p:cNvSpPr txBox="1">
+                <a:spLocks noRot="1" noChangeAspect="1" noMove="1" noResize="1" noEditPoints="1" noAdjustHandles="1" noChangeArrowheads="1" noChangeShapeType="1" noTextEdit="1"/>
+              </p:cNvSpPr>
+              <p:nvPr/>
+            </p:nvSpPr>
+            <p:spPr>
+              <a:xfrm>
+                <a:off x="4259202" y="3618623"/>
+                <a:ext cx="358695" cy="326860"/>
+              </a:xfrm>
+              <a:prstGeom prst="rect">
+                <a:avLst/>
+              </a:prstGeom>
+              <a:blipFill>
+                <a:blip r:embed="rId3"/>
+                <a:stretch>
+                  <a:fillRect b="-1887"/>
+                </a:stretch>
+              </a:blipFill>
+            </p:spPr>
+            <p:txBody>
+              <a:bodyPr/>
+              <a:lstStyle/>
+              <a:p>
+                <a:r>
+                  <a:rPr lang="ko-KR" altLang="en-US">
+                    <a:noFill/>
+                  </a:rPr>
+                  <a:t> </a:t>
+                </a:r>
+              </a:p>
+            </p:txBody>
+          </p:sp>
+        </mc:Fallback>
+      </mc:AlternateContent>
+      <mc:AlternateContent xmlns:mc="http://schemas.openxmlformats.org/markup-compatibility/2006" xmlns:a14="http://schemas.microsoft.com/office/drawing/2010/main">
+        <mc:Choice Requires="a14">
+          <p:sp>
+            <p:nvSpPr>
+              <p:cNvPr id="9" name="TextBox 8">
+                <a:extLst>
+                  <a:ext uri="{FF2B5EF4-FFF2-40B4-BE49-F238E27FC236}">
+                    <a16:creationId xmlns:a16="http://schemas.microsoft.com/office/drawing/2014/main" id="{AF848BBB-9A62-4867-996C-2A71AD832024}"/>
+                  </a:ext>
+                </a:extLst>
+              </p:cNvPr>
+              <p:cNvSpPr txBox="1"/>
+              <p:nvPr/>
+            </p:nvSpPr>
+            <p:spPr>
+              <a:xfrm>
+                <a:off x="1005526" y="1182842"/>
+                <a:ext cx="358695" cy="326860"/>
+              </a:xfrm>
+              <a:prstGeom prst="rect">
+                <a:avLst/>
+              </a:prstGeom>
+              <a:noFill/>
+            </p:spPr>
+            <p:txBody>
+              <a:bodyPr wrap="none" rtlCol="0">
+                <a:spAutoFit/>
+              </a:bodyPr>
+              <a:lstStyle/>
+              <a:p>
+                <a:pPr/>
+                <a14:m>
+                  <m:oMathPara xmlns:m="http://schemas.openxmlformats.org/officeDocument/2006/math">
+                    <m:oMathParaPr>
+                      <m:jc m:val="centerGroup"/>
+                    </m:oMathParaPr>
+                    <m:oMath xmlns:m="http://schemas.openxmlformats.org/officeDocument/2006/math">
+                      <m:r>
+                        <a:rPr lang="en-US" altLang="ko-KR" b="0" i="1" smtClean="0">
+                          <a:latin typeface="Cambria Math" panose="02040503050406030204" pitchFamily="18" charset="0"/>
+                        </a:rPr>
+                        <m:t>𝑣</m:t>
+                      </m:r>
+                    </m:oMath>
+                  </m:oMathPara>
+                </a14:m>
+                <a:endParaRPr lang="ko-KR" altLang="en-US" dirty="0"/>
+              </a:p>
+            </p:txBody>
+          </p:sp>
+        </mc:Choice>
+        <mc:Fallback xmlns="">
+          <p:sp>
+            <p:nvSpPr>
+              <p:cNvPr id="9" name="TextBox 8">
+                <a:extLst>
+                  <a:ext uri="{FF2B5EF4-FFF2-40B4-BE49-F238E27FC236}">
+                    <a16:creationId xmlns:a16="http://schemas.microsoft.com/office/drawing/2014/main" id="{AF848BBB-9A62-4867-996C-2A71AD832024}"/>
+                  </a:ext>
+                </a:extLst>
+              </p:cNvPr>
+              <p:cNvSpPr txBox="1">
+                <a:spLocks noRot="1" noChangeAspect="1" noMove="1" noResize="1" noEditPoints="1" noAdjustHandles="1" noChangeArrowheads="1" noChangeShapeType="1" noTextEdit="1"/>
+              </p:cNvSpPr>
+              <p:nvPr/>
+            </p:nvSpPr>
+            <p:spPr>
+              <a:xfrm>
+                <a:off x="1005526" y="1182842"/>
+                <a:ext cx="358695" cy="326860"/>
+              </a:xfrm>
+              <a:prstGeom prst="rect">
+                <a:avLst/>
+              </a:prstGeom>
+              <a:blipFill>
+                <a:blip r:embed="rId4"/>
+                <a:stretch>
+                  <a:fillRect b="-1852"/>
+                </a:stretch>
+              </a:blipFill>
+            </p:spPr>
+            <p:txBody>
+              <a:bodyPr/>
+              <a:lstStyle/>
+              <a:p>
+                <a:r>
+                  <a:rPr lang="ko-KR" altLang="en-US">
+                    <a:noFill/>
+                  </a:rPr>
+                  <a:t> </a:t>
+                </a:r>
+              </a:p>
+            </p:txBody>
+          </p:sp>
+        </mc:Fallback>
+      </mc:AlternateContent>
+      <mc:AlternateContent xmlns:mc="http://schemas.openxmlformats.org/markup-compatibility/2006" xmlns:a14="http://schemas.microsoft.com/office/drawing/2010/main">
+        <mc:Choice Requires="a14">
+          <p:sp>
+            <p:nvSpPr>
+              <p:cNvPr id="10" name="TextBox 9">
+                <a:extLst>
+                  <a:ext uri="{FF2B5EF4-FFF2-40B4-BE49-F238E27FC236}">
+                    <a16:creationId xmlns:a16="http://schemas.microsoft.com/office/drawing/2014/main" id="{6CAE9A7B-E3E0-4952-9FB8-FD989E0FD410}"/>
+                  </a:ext>
+                </a:extLst>
+              </p:cNvPr>
+              <p:cNvSpPr txBox="1"/>
+              <p:nvPr/>
+            </p:nvSpPr>
+            <p:spPr>
+              <a:xfrm>
+                <a:off x="2724134" y="1950071"/>
+                <a:ext cx="899037" cy="326860"/>
+              </a:xfrm>
+              <a:prstGeom prst="rect">
+                <a:avLst/>
+              </a:prstGeom>
+              <a:noFill/>
+            </p:spPr>
+            <p:txBody>
+              <a:bodyPr wrap="none" rtlCol="0">
+                <a:spAutoFit/>
+              </a:bodyPr>
+              <a:lstStyle/>
+              <a:p>
+                <a:pPr/>
+                <a14:m>
+                  <m:oMathPara xmlns:m="http://schemas.openxmlformats.org/officeDocument/2006/math">
+                    <m:oMathParaPr>
+                      <m:jc m:val="centerGroup"/>
+                    </m:oMathParaPr>
+                    <m:oMath xmlns:m="http://schemas.openxmlformats.org/officeDocument/2006/math">
+                      <m:r>
+                        <a:rPr lang="en-US" altLang="ko-KR" b="0" i="1" smtClean="0">
+                          <a:latin typeface="Cambria Math" panose="02040503050406030204" pitchFamily="18" charset="0"/>
+                        </a:rPr>
+                        <m:t>(</m:t>
+                      </m:r>
+                      <m:sSub>
+                        <m:sSubPr>
+                          <m:ctrlPr>
+                            <a:rPr lang="en-US" altLang="ko-KR" b="0" i="1" smtClean="0">
+                              <a:latin typeface="Cambria Math" panose="02040503050406030204" pitchFamily="18" charset="0"/>
+                            </a:rPr>
+                          </m:ctrlPr>
+                        </m:sSubPr>
+                        <m:e>
+                          <m:r>
+                            <a:rPr lang="en-US" altLang="ko-KR" b="0" i="1" smtClean="0">
+                              <a:latin typeface="Cambria Math" panose="02040503050406030204" pitchFamily="18" charset="0"/>
+                            </a:rPr>
+                            <m:t>𝑢</m:t>
+                          </m:r>
+                        </m:e>
+                        <m:sub>
+                          <m:r>
+                            <a:rPr lang="en-US" altLang="ko-KR" b="0" i="1" smtClean="0">
+                              <a:latin typeface="Cambria Math" panose="02040503050406030204" pitchFamily="18" charset="0"/>
+                            </a:rPr>
+                            <m:t>0</m:t>
+                          </m:r>
+                        </m:sub>
+                      </m:sSub>
+                      <m:r>
+                        <a:rPr lang="en-US" altLang="ko-KR" b="0" i="1" smtClean="0">
+                          <a:latin typeface="Cambria Math" panose="02040503050406030204" pitchFamily="18" charset="0"/>
+                        </a:rPr>
+                        <m:t>, </m:t>
+                      </m:r>
+                      <m:sSub>
+                        <m:sSubPr>
+                          <m:ctrlPr>
+                            <a:rPr lang="en-US" altLang="ko-KR" b="0" i="1" smtClean="0">
+                              <a:latin typeface="Cambria Math" panose="02040503050406030204" pitchFamily="18" charset="0"/>
+                            </a:rPr>
+                          </m:ctrlPr>
+                        </m:sSubPr>
+                        <m:e>
+                          <m:r>
+                            <a:rPr lang="en-US" altLang="ko-KR" b="0" i="1" smtClean="0">
+                              <a:latin typeface="Cambria Math" panose="02040503050406030204" pitchFamily="18" charset="0"/>
+                            </a:rPr>
+                            <m:t>𝑣</m:t>
+                          </m:r>
+                        </m:e>
+                        <m:sub>
+                          <m:r>
+                            <a:rPr lang="en-US" altLang="ko-KR" b="0" i="1" smtClean="0">
+                              <a:latin typeface="Cambria Math" panose="02040503050406030204" pitchFamily="18" charset="0"/>
+                            </a:rPr>
+                            <m:t>0</m:t>
+                          </m:r>
+                        </m:sub>
+                      </m:sSub>
+                      <m:r>
+                        <a:rPr lang="en-US" altLang="ko-KR" b="0" i="1" smtClean="0">
+                          <a:latin typeface="Cambria Math" panose="02040503050406030204" pitchFamily="18" charset="0"/>
+                        </a:rPr>
+                        <m:t>)</m:t>
+                      </m:r>
+                    </m:oMath>
+                  </m:oMathPara>
+                </a14:m>
+                <a:endParaRPr lang="ko-KR" altLang="en-US" dirty="0"/>
+              </a:p>
+            </p:txBody>
+          </p:sp>
+        </mc:Choice>
+        <mc:Fallback xmlns="">
+          <p:sp>
+            <p:nvSpPr>
+              <p:cNvPr id="10" name="TextBox 9">
+                <a:extLst>
+                  <a:ext uri="{FF2B5EF4-FFF2-40B4-BE49-F238E27FC236}">
+                    <a16:creationId xmlns:a16="http://schemas.microsoft.com/office/drawing/2014/main" id="{6CAE9A7B-E3E0-4952-9FB8-FD989E0FD410}"/>
+                  </a:ext>
+                </a:extLst>
+              </p:cNvPr>
+              <p:cNvSpPr txBox="1">
+                <a:spLocks noRot="1" noChangeAspect="1" noMove="1" noResize="1" noEditPoints="1" noAdjustHandles="1" noChangeArrowheads="1" noChangeShapeType="1" noTextEdit="1"/>
+              </p:cNvSpPr>
+              <p:nvPr/>
+            </p:nvSpPr>
+            <p:spPr>
+              <a:xfrm>
+                <a:off x="2724134" y="1950071"/>
+                <a:ext cx="899037" cy="326860"/>
+              </a:xfrm>
+              <a:prstGeom prst="rect">
+                <a:avLst/>
+              </a:prstGeom>
+              <a:blipFill>
+                <a:blip r:embed="rId5"/>
+                <a:stretch>
+                  <a:fillRect l="-2041" r="-6122" b="-29630"/>
+                </a:stretch>
+              </a:blipFill>
+            </p:spPr>
+            <p:txBody>
+              <a:bodyPr/>
+              <a:lstStyle/>
+              <a:p>
+                <a:r>
+                  <a:rPr lang="ko-KR" altLang="en-US">
+                    <a:noFill/>
+                  </a:rPr>
+                  <a:t> </a:t>
+                </a:r>
+              </a:p>
+            </p:txBody>
+          </p:sp>
+        </mc:Fallback>
+      </mc:AlternateContent>
+      <mc:AlternateContent xmlns:mc="http://schemas.openxmlformats.org/markup-compatibility/2006">
+        <mc:Choice xmlns:a14="http://schemas.microsoft.com/office/drawing/2010/main" Requires="a14">
+          <p:sp>
+            <p:nvSpPr>
+              <p:cNvPr id="11" name="TextBox 10">
+                <a:extLst>
+                  <a:ext uri="{FF2B5EF4-FFF2-40B4-BE49-F238E27FC236}">
+                    <a16:creationId xmlns:a16="http://schemas.microsoft.com/office/drawing/2014/main" id="{A0025CE5-930C-45AF-867C-3D2597CC5BBF}"/>
+                  </a:ext>
+                </a:extLst>
+              </p:cNvPr>
+              <p:cNvSpPr txBox="1"/>
+              <p:nvPr/>
+            </p:nvSpPr>
+            <p:spPr>
+              <a:xfrm>
+                <a:off x="1873538" y="3798739"/>
+                <a:ext cx="1727524" cy="369332"/>
+              </a:xfrm>
+              <a:prstGeom prst="rect">
+                <a:avLst/>
+              </a:prstGeom>
+              <a:noFill/>
+            </p:spPr>
+            <p:txBody>
+              <a:bodyPr wrap="none" rtlCol="0">
+                <a:spAutoFit/>
+              </a:bodyPr>
+              <a:lstStyle/>
+              <a:p>
+                <a14:m>
+                  <m:oMathPara xmlns:m="http://schemas.openxmlformats.org/officeDocument/2006/math">
+                    <m:oMathParaPr>
+                      <m:jc m:val="centerGroup"/>
+                    </m:oMathParaPr>
+                    <m:oMath xmlns:m="http://schemas.openxmlformats.org/officeDocument/2006/math">
+                      <m:sSub>
+                        <m:sSubPr>
+                          <m:ctrlPr>
+                            <a:rPr lang="en-US" altLang="ko-KR" b="0" i="1" smtClean="0">
+                              <a:latin typeface="Cambria Math" panose="02040503050406030204" pitchFamily="18" charset="0"/>
+                            </a:rPr>
+                          </m:ctrlPr>
+                        </m:sSubPr>
+                        <m:e>
+                          <m:r>
+                            <a:rPr lang="en-US" altLang="ko-KR" b="0" i="1" smtClean="0">
+                              <a:latin typeface="Cambria Math" panose="02040503050406030204" pitchFamily="18" charset="0"/>
+                            </a:rPr>
+                            <m:t>𝑢</m:t>
+                          </m:r>
+                        </m:e>
+                        <m:sub>
+                          <m:r>
+                            <a:rPr lang="en-US" altLang="ko-KR" b="0" i="1" smtClean="0">
+                              <a:latin typeface="Cambria Math" panose="02040503050406030204" pitchFamily="18" charset="0"/>
+                            </a:rPr>
+                            <m:t>0</m:t>
+                          </m:r>
+                        </m:sub>
+                      </m:sSub>
+                      <m:r>
+                        <a:rPr lang="en-US" altLang="ko-KR" b="0" i="1" smtClean="0">
+                          <a:latin typeface="Cambria Math" panose="02040503050406030204" pitchFamily="18" charset="0"/>
+                        </a:rPr>
+                        <m:t>=</m:t>
+                      </m:r>
+                      <m:r>
+                        <a:rPr lang="en-US" altLang="ko-KR" b="0" i="1" smtClean="0">
+                          <a:latin typeface="Cambria Math" panose="02040503050406030204" pitchFamily="18" charset="0"/>
+                        </a:rPr>
+                        <m:t>𝑐𝑜𝑛𝑠𝑡𝑎𝑛𝑡</m:t>
+                      </m:r>
+                    </m:oMath>
+                  </m:oMathPara>
+                </a14:m>
+                <a:endParaRPr lang="ko-KR" altLang="en-US" dirty="0"/>
+              </a:p>
+            </p:txBody>
+          </p:sp>
+        </mc:Choice>
+        <mc:Fallback>
+          <p:sp>
+            <p:nvSpPr>
+              <p:cNvPr id="11" name="TextBox 10">
+                <a:extLst>
+                  <a:ext uri="{FF2B5EF4-FFF2-40B4-BE49-F238E27FC236}">
+                    <a16:creationId xmlns:a16="http://schemas.microsoft.com/office/drawing/2014/main" id="{A0025CE5-930C-45AF-867C-3D2597CC5BBF}"/>
+                  </a:ext>
+                </a:extLst>
+              </p:cNvPr>
+              <p:cNvSpPr txBox="1">
+                <a:spLocks noRot="1" noChangeAspect="1" noMove="1" noResize="1" noEditPoints="1" noAdjustHandles="1" noChangeArrowheads="1" noChangeShapeType="1" noTextEdit="1"/>
+              </p:cNvSpPr>
+              <p:nvPr/>
+            </p:nvSpPr>
+            <p:spPr>
+              <a:xfrm>
+                <a:off x="1873538" y="3798739"/>
+                <a:ext cx="1727524" cy="369332"/>
+              </a:xfrm>
+              <a:prstGeom prst="rect">
+                <a:avLst/>
+              </a:prstGeom>
+              <a:blipFill>
+                <a:blip r:embed="rId6"/>
+                <a:stretch>
+                  <a:fillRect b="-1639"/>
+                </a:stretch>
+              </a:blipFill>
+            </p:spPr>
+            <p:txBody>
+              <a:bodyPr/>
+              <a:lstStyle/>
+              <a:p>
+                <a:r>
+                  <a:rPr lang="en-US">
+                    <a:noFill/>
+                  </a:rPr>
+                  <a:t> </a:t>
+                </a:r>
+              </a:p>
+            </p:txBody>
+          </p:sp>
+        </mc:Fallback>
+      </mc:AlternateContent>
+      <mc:AlternateContent xmlns:mc="http://schemas.openxmlformats.org/markup-compatibility/2006">
+        <mc:Choice xmlns:a14="http://schemas.microsoft.com/office/drawing/2010/main" Requires="a14">
+          <p:sp>
+            <p:nvSpPr>
+              <p:cNvPr id="12" name="TextBox 11">
+                <a:extLst>
+                  <a:ext uri="{FF2B5EF4-FFF2-40B4-BE49-F238E27FC236}">
+                    <a16:creationId xmlns:a16="http://schemas.microsoft.com/office/drawing/2014/main" id="{E3451987-41C4-4AFC-99D1-CCE3CA49F1C4}"/>
+                  </a:ext>
+                </a:extLst>
+              </p:cNvPr>
+              <p:cNvSpPr txBox="1"/>
+              <p:nvPr/>
+            </p:nvSpPr>
+            <p:spPr>
+              <a:xfrm>
+                <a:off x="4155888" y="1954988"/>
+                <a:ext cx="1717265" cy="369332"/>
+              </a:xfrm>
+              <a:prstGeom prst="rect">
+                <a:avLst/>
+              </a:prstGeom>
+              <a:noFill/>
+            </p:spPr>
+            <p:txBody>
+              <a:bodyPr wrap="none" rtlCol="0">
+                <a:spAutoFit/>
+              </a:bodyPr>
+              <a:lstStyle/>
+              <a:p>
+                <a14:m>
+                  <m:oMathPara xmlns:m="http://schemas.openxmlformats.org/officeDocument/2006/math">
+                    <m:oMathParaPr>
+                      <m:jc m:val="centerGroup"/>
+                    </m:oMathParaPr>
+                    <m:oMath xmlns:m="http://schemas.openxmlformats.org/officeDocument/2006/math">
+                      <m:sSub>
+                        <m:sSubPr>
+                          <m:ctrlPr>
+                            <a:rPr lang="en-US" altLang="ko-KR" b="0" i="1" smtClean="0">
+                              <a:latin typeface="Cambria Math" panose="02040503050406030204" pitchFamily="18" charset="0"/>
+                            </a:rPr>
+                          </m:ctrlPr>
+                        </m:sSubPr>
+                        <m:e>
+                          <m:r>
+                            <a:rPr lang="en-US" altLang="ko-KR" b="0" i="1" smtClean="0">
+                              <a:latin typeface="Cambria Math" panose="02040503050406030204" pitchFamily="18" charset="0"/>
+                            </a:rPr>
+                            <m:t>𝑣</m:t>
+                          </m:r>
+                        </m:e>
+                        <m:sub>
+                          <m:r>
+                            <a:rPr lang="en-US" altLang="ko-KR" b="0" i="1" smtClean="0">
+                              <a:latin typeface="Cambria Math" panose="02040503050406030204" pitchFamily="18" charset="0"/>
+                            </a:rPr>
+                            <m:t>0</m:t>
+                          </m:r>
+                        </m:sub>
+                      </m:sSub>
+                      <m:r>
+                        <a:rPr lang="en-US" altLang="ko-KR" b="0" i="0" smtClean="0">
+                          <a:latin typeface="Cambria Math" panose="02040503050406030204" pitchFamily="18" charset="0"/>
+                        </a:rPr>
+                        <m:t>=</m:t>
+                      </m:r>
+                      <m:r>
+                        <a:rPr lang="en-US" altLang="ko-KR" b="0" i="1" smtClean="0">
+                          <a:latin typeface="Cambria Math" panose="02040503050406030204" pitchFamily="18" charset="0"/>
+                        </a:rPr>
+                        <m:t>𝑐𝑜𝑛𝑠𝑡𝑎𝑛𝑡</m:t>
+                      </m:r>
+                    </m:oMath>
+                  </m:oMathPara>
+                </a14:m>
+                <a:endParaRPr lang="ko-KR" altLang="en-US" dirty="0"/>
+              </a:p>
+            </p:txBody>
+          </p:sp>
+        </mc:Choice>
+        <mc:Fallback>
+          <p:sp>
+            <p:nvSpPr>
+              <p:cNvPr id="12" name="TextBox 11">
+                <a:extLst>
+                  <a:ext uri="{FF2B5EF4-FFF2-40B4-BE49-F238E27FC236}">
+                    <a16:creationId xmlns:a16="http://schemas.microsoft.com/office/drawing/2014/main" id="{E3451987-41C4-4AFC-99D1-CCE3CA49F1C4}"/>
+                  </a:ext>
+                </a:extLst>
+              </p:cNvPr>
+              <p:cNvSpPr txBox="1">
+                <a:spLocks noRot="1" noChangeAspect="1" noMove="1" noResize="1" noEditPoints="1" noAdjustHandles="1" noChangeArrowheads="1" noChangeShapeType="1" noTextEdit="1"/>
+              </p:cNvSpPr>
+              <p:nvPr/>
+            </p:nvSpPr>
+            <p:spPr>
+              <a:xfrm>
+                <a:off x="4155888" y="1954988"/>
+                <a:ext cx="1717265" cy="369332"/>
+              </a:xfrm>
+              <a:prstGeom prst="rect">
+                <a:avLst/>
+              </a:prstGeom>
+              <a:blipFill>
+                <a:blip r:embed="rId7"/>
+                <a:stretch>
+                  <a:fillRect b="-3333"/>
+                </a:stretch>
+              </a:blipFill>
+            </p:spPr>
+            <p:txBody>
+              <a:bodyPr/>
+              <a:lstStyle/>
+              <a:p>
+                <a:r>
+                  <a:rPr lang="en-US">
+                    <a:noFill/>
+                  </a:rPr>
+                  <a:t> </a:t>
+                </a:r>
+              </a:p>
+            </p:txBody>
+          </p:sp>
+        </mc:Fallback>
+      </mc:AlternateContent>
+      <mc:AlternateContent xmlns:mc="http://schemas.openxmlformats.org/markup-compatibility/2006" xmlns:a14="http://schemas.microsoft.com/office/drawing/2010/main">
+        <mc:Choice Requires="a14">
+          <p:sp>
+            <p:nvSpPr>
+              <p:cNvPr id="20" name="TextBox 19">
+                <a:extLst>
+                  <a:ext uri="{FF2B5EF4-FFF2-40B4-BE49-F238E27FC236}">
+                    <a16:creationId xmlns:a16="http://schemas.microsoft.com/office/drawing/2014/main" id="{4BF191FB-F0D4-4397-852C-26213EB21B4A}"/>
+                  </a:ext>
+                </a:extLst>
+              </p:cNvPr>
+              <p:cNvSpPr txBox="1"/>
+              <p:nvPr/>
+            </p:nvSpPr>
+            <p:spPr>
+              <a:xfrm>
+                <a:off x="1086561" y="3618623"/>
+                <a:ext cx="349276" cy="326860"/>
+              </a:xfrm>
+              <a:prstGeom prst="rect">
+                <a:avLst/>
+              </a:prstGeom>
+              <a:noFill/>
+            </p:spPr>
+            <p:txBody>
+              <a:bodyPr wrap="none" rtlCol="0">
+                <a:spAutoFit/>
+              </a:bodyPr>
+              <a:lstStyle/>
+              <a:p>
+                <a:pPr/>
+                <a14:m>
+                  <m:oMathPara xmlns:m="http://schemas.openxmlformats.org/officeDocument/2006/math">
+                    <m:oMathParaPr>
+                      <m:jc m:val="centerGroup"/>
+                    </m:oMathParaPr>
+                    <m:oMath xmlns:m="http://schemas.openxmlformats.org/officeDocument/2006/math">
+                      <m:r>
+                        <a:rPr lang="en-US" altLang="ko-KR" b="0" i="1" smtClean="0">
+                          <a:latin typeface="Cambria Math" panose="02040503050406030204" pitchFamily="18" charset="0"/>
+                        </a:rPr>
+                        <m:t>0</m:t>
+                      </m:r>
+                    </m:oMath>
+                  </m:oMathPara>
+                </a14:m>
+                <a:endParaRPr lang="ko-KR" altLang="en-US" dirty="0"/>
+              </a:p>
+            </p:txBody>
+          </p:sp>
+        </mc:Choice>
+        <mc:Fallback xmlns="">
+          <p:sp>
+            <p:nvSpPr>
+              <p:cNvPr id="20" name="TextBox 19">
+                <a:extLst>
+                  <a:ext uri="{FF2B5EF4-FFF2-40B4-BE49-F238E27FC236}">
+                    <a16:creationId xmlns:a16="http://schemas.microsoft.com/office/drawing/2014/main" id="{4BF191FB-F0D4-4397-852C-26213EB21B4A}"/>
+                  </a:ext>
+                </a:extLst>
+              </p:cNvPr>
+              <p:cNvSpPr txBox="1">
+                <a:spLocks noRot="1" noChangeAspect="1" noMove="1" noResize="1" noEditPoints="1" noAdjustHandles="1" noChangeArrowheads="1" noChangeShapeType="1" noTextEdit="1"/>
+              </p:cNvSpPr>
+              <p:nvPr/>
+            </p:nvSpPr>
+            <p:spPr>
+              <a:xfrm>
+                <a:off x="1086561" y="3618623"/>
+                <a:ext cx="349276" cy="326860"/>
+              </a:xfrm>
+              <a:prstGeom prst="rect">
+                <a:avLst/>
+              </a:prstGeom>
+              <a:blipFill>
+                <a:blip r:embed="rId8"/>
+                <a:stretch>
+                  <a:fillRect b="-9434"/>
+                </a:stretch>
+              </a:blipFill>
+            </p:spPr>
+            <p:txBody>
+              <a:bodyPr/>
+              <a:lstStyle/>
+              <a:p>
+                <a:r>
+                  <a:rPr lang="ko-KR" altLang="en-US">
+                    <a:noFill/>
+                  </a:rPr>
+                  <a:t> </a:t>
+                </a:r>
+              </a:p>
+            </p:txBody>
+          </p:sp>
+        </mc:Fallback>
+      </mc:AlternateContent>
+      <mc:AlternateContent xmlns:mc="http://schemas.openxmlformats.org/markup-compatibility/2006">
+        <mc:Choice xmlns:a14="http://schemas.microsoft.com/office/drawing/2010/main" Requires="a14">
+          <p:sp>
+            <p:nvSpPr>
+              <p:cNvPr id="24" name="TextBox 23">
+                <a:extLst>
+                  <a:ext uri="{FF2B5EF4-FFF2-40B4-BE49-F238E27FC236}">
+                    <a16:creationId xmlns:a16="http://schemas.microsoft.com/office/drawing/2014/main" id="{D8AD63EC-93C9-4AF5-A203-E57AFBD4A8DD}"/>
+                  </a:ext>
+                </a:extLst>
+              </p:cNvPr>
+              <p:cNvSpPr txBox="1"/>
+              <p:nvPr/>
+            </p:nvSpPr>
+            <p:spPr>
+              <a:xfrm>
+                <a:off x="8589926" y="2859188"/>
+                <a:ext cx="2244589" cy="369332"/>
+              </a:xfrm>
+              <a:prstGeom prst="rect">
+                <a:avLst/>
+              </a:prstGeom>
+              <a:noFill/>
+            </p:spPr>
+            <p:txBody>
+              <a:bodyPr wrap="none" rtlCol="0">
+                <a:spAutoFit/>
+              </a:bodyPr>
+              <a:lstStyle/>
+              <a:p>
+                <a:r>
+                  <a:rPr lang="en-US" altLang="ko-KR" b="0" dirty="0"/>
+                  <a:t>Curve where </a:t>
+                </a:r>
+                <a14:m>
+                  <m:oMath xmlns:m="http://schemas.openxmlformats.org/officeDocument/2006/math">
+                    <m:r>
+                      <a:rPr lang="en-US" altLang="ko-KR" b="0" i="1" smtClean="0">
+                        <a:latin typeface="Cambria Math" panose="02040503050406030204" pitchFamily="18" charset="0"/>
+                      </a:rPr>
+                      <m:t>𝑣</m:t>
+                    </m:r>
+                    <m:r>
+                      <a:rPr lang="en-US" altLang="ko-KR" b="0" i="1" smtClean="0">
+                        <a:latin typeface="Cambria Math" panose="02040503050406030204" pitchFamily="18" charset="0"/>
+                      </a:rPr>
+                      <m:t>=</m:t>
+                    </m:r>
+                    <m:sSub>
+                      <m:sSubPr>
+                        <m:ctrlPr>
+                          <a:rPr lang="en-US" altLang="ko-KR" b="0" i="1" smtClean="0">
+                            <a:latin typeface="Cambria Math" panose="02040503050406030204" pitchFamily="18" charset="0"/>
+                          </a:rPr>
+                        </m:ctrlPr>
+                      </m:sSubPr>
+                      <m:e>
+                        <m:r>
+                          <a:rPr lang="en-US" altLang="ko-KR" b="0" i="1" smtClean="0">
+                            <a:latin typeface="Cambria Math" panose="02040503050406030204" pitchFamily="18" charset="0"/>
+                          </a:rPr>
+                          <m:t>𝑣</m:t>
+                        </m:r>
+                      </m:e>
+                      <m:sub>
+                        <m:r>
+                          <a:rPr lang="en-US" altLang="ko-KR" b="0" i="1" smtClean="0">
+                            <a:latin typeface="Cambria Math" panose="02040503050406030204" pitchFamily="18" charset="0"/>
+                          </a:rPr>
+                          <m:t>0</m:t>
+                        </m:r>
+                      </m:sub>
+                    </m:sSub>
+                  </m:oMath>
+                </a14:m>
+                <a:endParaRPr lang="ko-KR" altLang="en-US" dirty="0"/>
+              </a:p>
+            </p:txBody>
+          </p:sp>
+        </mc:Choice>
+        <mc:Fallback>
+          <p:sp>
+            <p:nvSpPr>
+              <p:cNvPr id="24" name="TextBox 23">
+                <a:extLst>
+                  <a:ext uri="{FF2B5EF4-FFF2-40B4-BE49-F238E27FC236}">
+                    <a16:creationId xmlns:a16="http://schemas.microsoft.com/office/drawing/2014/main" id="{D8AD63EC-93C9-4AF5-A203-E57AFBD4A8DD}"/>
+                  </a:ext>
+                </a:extLst>
+              </p:cNvPr>
+              <p:cNvSpPr txBox="1">
+                <a:spLocks noRot="1" noChangeAspect="1" noMove="1" noResize="1" noEditPoints="1" noAdjustHandles="1" noChangeArrowheads="1" noChangeShapeType="1" noTextEdit="1"/>
+              </p:cNvSpPr>
+              <p:nvPr/>
+            </p:nvSpPr>
+            <p:spPr>
+              <a:xfrm>
+                <a:off x="8589926" y="2859188"/>
+                <a:ext cx="2244589" cy="369332"/>
+              </a:xfrm>
+              <a:prstGeom prst="rect">
+                <a:avLst/>
+              </a:prstGeom>
+              <a:blipFill>
+                <a:blip r:embed="rId9"/>
+                <a:stretch>
+                  <a:fillRect l="-2174" t="-8197" b="-24590"/>
+                </a:stretch>
+              </a:blipFill>
+            </p:spPr>
+            <p:txBody>
+              <a:bodyPr/>
+              <a:lstStyle/>
+              <a:p>
+                <a:r>
+                  <a:rPr lang="en-US">
+                    <a:noFill/>
+                  </a:rPr>
+                  <a:t> </a:t>
+                </a:r>
+              </a:p>
+            </p:txBody>
+          </p:sp>
+        </mc:Fallback>
+      </mc:AlternateContent>
+      <p:cxnSp>
+        <p:nvCxnSpPr>
+          <p:cNvPr id="26" name="직선 연결선 25">
+            <a:extLst>
+              <a:ext uri="{FF2B5EF4-FFF2-40B4-BE49-F238E27FC236}">
+                <a16:creationId xmlns:a16="http://schemas.microsoft.com/office/drawing/2014/main" id="{A9890B93-8D55-4019-829D-F6960D33E8C6}"/>
+              </a:ext>
+            </a:extLst>
+          </p:cNvPr>
+          <p:cNvCxnSpPr/>
+          <p:nvPr/>
+        </p:nvCxnSpPr>
+        <p:spPr>
+          <a:xfrm flipV="1">
+            <a:off x="8822691" y="3243199"/>
+            <a:ext cx="875990" cy="367081"/>
+          </a:xfrm>
+          <a:prstGeom prst="line">
+            <a:avLst/>
+          </a:prstGeom>
+          <a:ln>
+            <a:solidFill>
+              <a:schemeClr val="tx1"/>
+            </a:solidFill>
+          </a:ln>
+        </p:spPr>
+        <p:style>
+          <a:lnRef idx="1">
+            <a:schemeClr val="accent1"/>
+          </a:lnRef>
+          <a:fillRef idx="0">
+            <a:schemeClr val="accent1"/>
+          </a:fillRef>
+          <a:effectRef idx="0">
+            <a:schemeClr val="accent1"/>
+          </a:effectRef>
+          <a:fontRef idx="minor">
+            <a:schemeClr val="tx1"/>
+          </a:fontRef>
+        </p:style>
+      </p:cxnSp>
+      <mc:AlternateContent xmlns:mc="http://schemas.openxmlformats.org/markup-compatibility/2006" xmlns:a14="http://schemas.microsoft.com/office/drawing/2010/main">
+        <mc:Choice Requires="a14">
+          <p:sp>
+            <p:nvSpPr>
+              <p:cNvPr id="27" name="TextBox 26">
+                <a:extLst>
+                  <a:ext uri="{FF2B5EF4-FFF2-40B4-BE49-F238E27FC236}">
+                    <a16:creationId xmlns:a16="http://schemas.microsoft.com/office/drawing/2014/main" id="{5DA8B65B-6A87-4CC2-BA15-7914BDADF02A}"/>
+                  </a:ext>
+                </a:extLst>
+              </p:cNvPr>
+              <p:cNvSpPr txBox="1"/>
+              <p:nvPr/>
+            </p:nvSpPr>
+            <p:spPr>
+              <a:xfrm>
+                <a:off x="5164858" y="5625316"/>
+                <a:ext cx="4102790" cy="384144"/>
+              </a:xfrm>
+              <a:prstGeom prst="rect">
+                <a:avLst/>
+              </a:prstGeom>
+              <a:solidFill>
+                <a:schemeClr val="bg1"/>
+              </a:solidFill>
+            </p:spPr>
+            <p:txBody>
+              <a:bodyPr wrap="none" rtlCol="0">
+                <a:spAutoFit/>
+              </a:bodyPr>
+              <a:lstStyle/>
+              <a:p>
+                <a:pPr/>
+                <a14:m>
+                  <m:oMathPara xmlns:m="http://schemas.openxmlformats.org/officeDocument/2006/math">
+                    <m:oMathParaPr>
+                      <m:jc m:val="centerGroup"/>
+                    </m:oMathParaPr>
+                    <m:oMath xmlns:m="http://schemas.openxmlformats.org/officeDocument/2006/math">
+                      <m:r>
+                        <a:rPr lang="en-US" altLang="ko-KR" b="0" i="1" smtClean="0">
+                          <a:latin typeface="Cambria Math" panose="02040503050406030204" pitchFamily="18" charset="0"/>
+                        </a:rPr>
+                        <m:t>𝑟</m:t>
+                      </m:r>
+                      <m:d>
+                        <m:dPr>
+                          <m:ctrlPr>
+                            <a:rPr lang="en-US" altLang="ko-KR" b="0" i="1" smtClean="0">
+                              <a:latin typeface="Cambria Math" panose="02040503050406030204" pitchFamily="18" charset="0"/>
+                            </a:rPr>
+                          </m:ctrlPr>
+                        </m:dPr>
+                        <m:e>
+                          <m:r>
+                            <a:rPr lang="en-US" altLang="ko-KR" b="0" i="1" smtClean="0">
+                              <a:latin typeface="Cambria Math" panose="02040503050406030204" pitchFamily="18" charset="0"/>
+                            </a:rPr>
+                            <m:t>𝑢</m:t>
+                          </m:r>
+                          <m:r>
+                            <a:rPr lang="en-US" altLang="ko-KR" b="0" i="1" smtClean="0">
+                              <a:latin typeface="Cambria Math" panose="02040503050406030204" pitchFamily="18" charset="0"/>
+                            </a:rPr>
+                            <m:t>, </m:t>
+                          </m:r>
+                          <m:r>
+                            <a:rPr lang="en-US" altLang="ko-KR" b="0" i="1" smtClean="0">
+                              <a:latin typeface="Cambria Math" panose="02040503050406030204" pitchFamily="18" charset="0"/>
+                            </a:rPr>
+                            <m:t>𝑣</m:t>
+                          </m:r>
+                        </m:e>
+                      </m:d>
+                      <m:r>
+                        <a:rPr lang="en-US" altLang="ko-KR" b="0" i="1" smtClean="0">
+                          <a:latin typeface="Cambria Math" panose="02040503050406030204" pitchFamily="18" charset="0"/>
+                        </a:rPr>
+                        <m:t>=</m:t>
+                      </m:r>
+                      <m:r>
+                        <a:rPr lang="en-US" altLang="ko-KR" b="0" i="1" smtClean="0">
+                          <a:latin typeface="Cambria Math" panose="02040503050406030204" pitchFamily="18" charset="0"/>
+                        </a:rPr>
+                        <m:t>𝑥</m:t>
+                      </m:r>
+                      <m:d>
+                        <m:dPr>
+                          <m:ctrlPr>
+                            <a:rPr lang="en-US" altLang="ko-KR" b="0" i="1" smtClean="0">
+                              <a:latin typeface="Cambria Math" panose="02040503050406030204" pitchFamily="18" charset="0"/>
+                            </a:rPr>
+                          </m:ctrlPr>
+                        </m:dPr>
+                        <m:e>
+                          <m:r>
+                            <a:rPr lang="en-US" altLang="ko-KR" b="0" i="1" smtClean="0">
+                              <a:latin typeface="Cambria Math" panose="02040503050406030204" pitchFamily="18" charset="0"/>
+                            </a:rPr>
+                            <m:t>𝑢</m:t>
+                          </m:r>
+                          <m:r>
+                            <a:rPr lang="en-US" altLang="ko-KR" b="0" i="1" smtClean="0">
+                              <a:latin typeface="Cambria Math" panose="02040503050406030204" pitchFamily="18" charset="0"/>
+                            </a:rPr>
+                            <m:t>,</m:t>
+                          </m:r>
+                          <m:r>
+                            <a:rPr lang="en-US" altLang="ko-KR" b="0" i="1" smtClean="0">
+                              <a:latin typeface="Cambria Math" panose="02040503050406030204" pitchFamily="18" charset="0"/>
+                            </a:rPr>
+                            <m:t>𝑣</m:t>
+                          </m:r>
+                        </m:e>
+                      </m:d>
+                      <m:acc>
+                        <m:accPr>
+                          <m:chr m:val="̂"/>
+                          <m:ctrlPr>
+                            <a:rPr lang="en-US" altLang="ko-KR" b="0" i="1" smtClean="0">
+                              <a:latin typeface="Cambria Math" panose="02040503050406030204" pitchFamily="18" charset="0"/>
+                            </a:rPr>
+                          </m:ctrlPr>
+                        </m:accPr>
+                        <m:e>
+                          <m:r>
+                            <a:rPr lang="en-US" altLang="ko-KR" b="0" i="1" smtClean="0">
+                              <a:latin typeface="Cambria Math" panose="02040503050406030204" pitchFamily="18" charset="0"/>
+                            </a:rPr>
+                            <m:t>𝑖</m:t>
+                          </m:r>
+                        </m:e>
+                      </m:acc>
+                      <m:r>
+                        <a:rPr lang="en-US" altLang="ko-KR" b="0" i="1" smtClean="0">
+                          <a:latin typeface="Cambria Math" panose="02040503050406030204" pitchFamily="18" charset="0"/>
+                        </a:rPr>
+                        <m:t>+</m:t>
+                      </m:r>
+                      <m:r>
+                        <a:rPr lang="en-US" altLang="ko-KR" b="0" i="1" smtClean="0">
+                          <a:latin typeface="Cambria Math" panose="02040503050406030204" pitchFamily="18" charset="0"/>
+                        </a:rPr>
+                        <m:t>𝑦</m:t>
+                      </m:r>
+                      <m:d>
+                        <m:dPr>
+                          <m:ctrlPr>
+                            <a:rPr lang="en-US" altLang="ko-KR" b="0" i="1" smtClean="0">
+                              <a:latin typeface="Cambria Math" panose="02040503050406030204" pitchFamily="18" charset="0"/>
+                            </a:rPr>
+                          </m:ctrlPr>
+                        </m:dPr>
+                        <m:e>
+                          <m:r>
+                            <a:rPr lang="en-US" altLang="ko-KR" b="0" i="1" smtClean="0">
+                              <a:latin typeface="Cambria Math" panose="02040503050406030204" pitchFamily="18" charset="0"/>
+                            </a:rPr>
+                            <m:t>𝑢</m:t>
+                          </m:r>
+                          <m:r>
+                            <a:rPr lang="en-US" altLang="ko-KR" b="0" i="1" smtClean="0">
+                              <a:latin typeface="Cambria Math" panose="02040503050406030204" pitchFamily="18" charset="0"/>
+                            </a:rPr>
+                            <m:t>,</m:t>
+                          </m:r>
+                          <m:r>
+                            <a:rPr lang="en-US" altLang="ko-KR" b="0" i="1" smtClean="0">
+                              <a:latin typeface="Cambria Math" panose="02040503050406030204" pitchFamily="18" charset="0"/>
+                            </a:rPr>
+                            <m:t>𝑣</m:t>
+                          </m:r>
+                        </m:e>
+                      </m:d>
+                      <m:acc>
+                        <m:accPr>
+                          <m:chr m:val="̂"/>
+                          <m:ctrlPr>
+                            <a:rPr lang="en-US" altLang="ko-KR" b="0" i="1" smtClean="0">
+                              <a:latin typeface="Cambria Math" panose="02040503050406030204" pitchFamily="18" charset="0"/>
+                            </a:rPr>
+                          </m:ctrlPr>
+                        </m:accPr>
+                        <m:e>
+                          <m:r>
+                            <a:rPr lang="en-US" altLang="ko-KR" b="0" i="1" smtClean="0">
+                              <a:latin typeface="Cambria Math" panose="02040503050406030204" pitchFamily="18" charset="0"/>
+                            </a:rPr>
+                            <m:t>𝑗</m:t>
+                          </m:r>
+                        </m:e>
+                      </m:acc>
+                      <m:r>
+                        <a:rPr lang="en-US" altLang="ko-KR" b="0" i="1" smtClean="0">
+                          <a:latin typeface="Cambria Math" panose="02040503050406030204" pitchFamily="18" charset="0"/>
+                        </a:rPr>
+                        <m:t>+</m:t>
+                      </m:r>
+                      <m:r>
+                        <a:rPr lang="en-US" altLang="ko-KR" b="0" i="1" smtClean="0">
+                          <a:latin typeface="Cambria Math" panose="02040503050406030204" pitchFamily="18" charset="0"/>
+                        </a:rPr>
+                        <m:t>𝑧</m:t>
+                      </m:r>
+                      <m:d>
+                        <m:dPr>
+                          <m:ctrlPr>
+                            <a:rPr lang="en-US" altLang="ko-KR" b="0" i="1" smtClean="0">
+                              <a:latin typeface="Cambria Math" panose="02040503050406030204" pitchFamily="18" charset="0"/>
+                            </a:rPr>
+                          </m:ctrlPr>
+                        </m:dPr>
+                        <m:e>
+                          <m:r>
+                            <a:rPr lang="en-US" altLang="ko-KR" b="0" i="1" smtClean="0">
+                              <a:latin typeface="Cambria Math" panose="02040503050406030204" pitchFamily="18" charset="0"/>
+                            </a:rPr>
+                            <m:t>𝑢</m:t>
+                          </m:r>
+                          <m:r>
+                            <a:rPr lang="en-US" altLang="ko-KR" b="0" i="1" smtClean="0">
+                              <a:latin typeface="Cambria Math" panose="02040503050406030204" pitchFamily="18" charset="0"/>
+                            </a:rPr>
+                            <m:t>,</m:t>
+                          </m:r>
+                          <m:r>
+                            <a:rPr lang="en-US" altLang="ko-KR" b="0" i="1" smtClean="0">
+                              <a:latin typeface="Cambria Math" panose="02040503050406030204" pitchFamily="18" charset="0"/>
+                            </a:rPr>
+                            <m:t>𝑣</m:t>
+                          </m:r>
+                        </m:e>
+                      </m:d>
+                      <m:acc>
+                        <m:accPr>
+                          <m:chr m:val="̂"/>
+                          <m:ctrlPr>
+                            <a:rPr lang="en-US" altLang="ko-KR" b="0" i="1" smtClean="0">
+                              <a:latin typeface="Cambria Math" panose="02040503050406030204" pitchFamily="18" charset="0"/>
+                            </a:rPr>
+                          </m:ctrlPr>
+                        </m:accPr>
+                        <m:e>
+                          <m:r>
+                            <a:rPr lang="en-US" altLang="ko-KR" b="0" i="1" smtClean="0">
+                              <a:latin typeface="Cambria Math" panose="02040503050406030204" pitchFamily="18" charset="0"/>
+                            </a:rPr>
+                            <m:t>𝑘</m:t>
+                          </m:r>
+                        </m:e>
+                      </m:acc>
+                    </m:oMath>
+                  </m:oMathPara>
+                </a14:m>
+                <a:endParaRPr lang="ko-KR" altLang="en-US" dirty="0"/>
+              </a:p>
+            </p:txBody>
+          </p:sp>
+        </mc:Choice>
+        <mc:Fallback xmlns="">
+          <p:sp>
+            <p:nvSpPr>
+              <p:cNvPr id="27" name="TextBox 26">
+                <a:extLst>
+                  <a:ext uri="{FF2B5EF4-FFF2-40B4-BE49-F238E27FC236}">
+                    <a16:creationId xmlns:a16="http://schemas.microsoft.com/office/drawing/2014/main" id="{5DA8B65B-6A87-4CC2-BA15-7914BDADF02A}"/>
+                  </a:ext>
+                </a:extLst>
+              </p:cNvPr>
+              <p:cNvSpPr txBox="1">
+                <a:spLocks noRot="1" noChangeAspect="1" noMove="1" noResize="1" noEditPoints="1" noAdjustHandles="1" noChangeArrowheads="1" noChangeShapeType="1" noTextEdit="1"/>
+              </p:cNvSpPr>
+              <p:nvPr/>
+            </p:nvSpPr>
+            <p:spPr>
+              <a:xfrm>
+                <a:off x="5164858" y="5625316"/>
+                <a:ext cx="4102790" cy="384144"/>
+              </a:xfrm>
+              <a:prstGeom prst="rect">
+                <a:avLst/>
+              </a:prstGeom>
+              <a:blipFill>
+                <a:blip r:embed="rId10"/>
+                <a:stretch>
+                  <a:fillRect r="-4903" b="-7937"/>
+                </a:stretch>
+              </a:blipFill>
+            </p:spPr>
+            <p:txBody>
+              <a:bodyPr/>
+              <a:lstStyle/>
+              <a:p>
+                <a:r>
+                  <a:rPr lang="ko-KR" altLang="en-US">
+                    <a:noFill/>
+                  </a:rPr>
+                  <a:t> </a:t>
+                </a:r>
+              </a:p>
+            </p:txBody>
+          </p:sp>
+        </mc:Fallback>
+      </mc:AlternateContent>
+      <p:cxnSp>
+        <p:nvCxnSpPr>
+          <p:cNvPr id="29" name="직선 연결선 28">
+            <a:extLst>
+              <a:ext uri="{FF2B5EF4-FFF2-40B4-BE49-F238E27FC236}">
+                <a16:creationId xmlns:a16="http://schemas.microsoft.com/office/drawing/2014/main" id="{9B300211-5873-4924-8013-6026191F4814}"/>
+              </a:ext>
+            </a:extLst>
+          </p:cNvPr>
+          <p:cNvCxnSpPr>
+            <a:cxnSpLocks/>
+            <a:endCxn id="27" idx="0"/>
+          </p:cNvCxnSpPr>
+          <p:nvPr/>
+        </p:nvCxnSpPr>
+        <p:spPr>
+          <a:xfrm flipH="1">
+            <a:off x="7216253" y="4661468"/>
+            <a:ext cx="321653" cy="963848"/>
+          </a:xfrm>
+          <a:prstGeom prst="line">
+            <a:avLst/>
+          </a:prstGeom>
+          <a:ln>
+            <a:solidFill>
+              <a:schemeClr val="tx1"/>
+            </a:solidFill>
+          </a:ln>
+        </p:spPr>
+        <p:style>
+          <a:lnRef idx="1">
+            <a:schemeClr val="accent1"/>
+          </a:lnRef>
+          <a:fillRef idx="0">
+            <a:schemeClr val="accent1"/>
+          </a:fillRef>
+          <a:effectRef idx="0">
+            <a:schemeClr val="accent1"/>
+          </a:effectRef>
+          <a:fontRef idx="minor">
+            <a:schemeClr val="tx1"/>
+          </a:fontRef>
+        </p:style>
+      </p:cxnSp>
+      <mc:AlternateContent xmlns:mc="http://schemas.openxmlformats.org/markup-compatibility/2006">
+        <mc:Choice xmlns:a14="http://schemas.microsoft.com/office/drawing/2010/main" Requires="a14">
+          <p:sp>
+            <p:nvSpPr>
+              <p:cNvPr id="32" name="TextBox 31">
+                <a:extLst>
+                  <a:ext uri="{FF2B5EF4-FFF2-40B4-BE49-F238E27FC236}">
+                    <a16:creationId xmlns:a16="http://schemas.microsoft.com/office/drawing/2014/main" id="{45599AE2-8CEC-4881-9C19-E952CEF86DA4}"/>
+                  </a:ext>
+                </a:extLst>
+              </p:cNvPr>
+              <p:cNvSpPr txBox="1"/>
+              <p:nvPr/>
+            </p:nvSpPr>
+            <p:spPr>
+              <a:xfrm>
+                <a:off x="9056102" y="5035257"/>
+                <a:ext cx="2261966" cy="369332"/>
+              </a:xfrm>
+              <a:prstGeom prst="rect">
+                <a:avLst/>
+              </a:prstGeom>
+              <a:noFill/>
+            </p:spPr>
+            <p:txBody>
+              <a:bodyPr wrap="none" rtlCol="0">
+                <a:spAutoFit/>
+              </a:bodyPr>
+              <a:lstStyle/>
+              <a:p>
+                <a:r>
+                  <a:rPr lang="en-US" altLang="ko-KR" b="0" dirty="0"/>
+                  <a:t>Curve where </a:t>
+                </a:r>
+                <a14:m>
+                  <m:oMath xmlns:m="http://schemas.openxmlformats.org/officeDocument/2006/math">
+                    <m:r>
+                      <a:rPr lang="en-US" altLang="ko-KR" b="0" i="1" smtClean="0">
+                        <a:latin typeface="Cambria Math" panose="02040503050406030204" pitchFamily="18" charset="0"/>
+                      </a:rPr>
+                      <m:t>𝑢</m:t>
+                    </m:r>
+                    <m:r>
+                      <a:rPr lang="en-US" altLang="ko-KR" b="0" i="1" smtClean="0">
+                        <a:latin typeface="Cambria Math" panose="02040503050406030204" pitchFamily="18" charset="0"/>
+                      </a:rPr>
+                      <m:t>=</m:t>
+                    </m:r>
+                    <m:sSub>
+                      <m:sSubPr>
+                        <m:ctrlPr>
+                          <a:rPr lang="en-US" altLang="ko-KR" b="0" i="1" smtClean="0">
+                            <a:latin typeface="Cambria Math" panose="02040503050406030204" pitchFamily="18" charset="0"/>
+                          </a:rPr>
+                        </m:ctrlPr>
+                      </m:sSubPr>
+                      <m:e>
+                        <m:r>
+                          <a:rPr lang="en-US" altLang="ko-KR" b="0" i="1" smtClean="0">
+                            <a:latin typeface="Cambria Math" panose="02040503050406030204" pitchFamily="18" charset="0"/>
+                          </a:rPr>
+                          <m:t>𝑢</m:t>
+                        </m:r>
+                      </m:e>
+                      <m:sub>
+                        <m:r>
+                          <a:rPr lang="en-US" altLang="ko-KR" b="0" i="1" smtClean="0">
+                            <a:latin typeface="Cambria Math" panose="02040503050406030204" pitchFamily="18" charset="0"/>
+                          </a:rPr>
+                          <m:t>0</m:t>
+                        </m:r>
+                      </m:sub>
+                    </m:sSub>
+                  </m:oMath>
+                </a14:m>
+                <a:endParaRPr lang="ko-KR" altLang="en-US" dirty="0"/>
+              </a:p>
+            </p:txBody>
+          </p:sp>
+        </mc:Choice>
+        <mc:Fallback>
+          <p:sp>
+            <p:nvSpPr>
+              <p:cNvPr id="32" name="TextBox 31">
+                <a:extLst>
+                  <a:ext uri="{FF2B5EF4-FFF2-40B4-BE49-F238E27FC236}">
+                    <a16:creationId xmlns:a16="http://schemas.microsoft.com/office/drawing/2014/main" id="{45599AE2-8CEC-4881-9C19-E952CEF86DA4}"/>
+                  </a:ext>
+                </a:extLst>
+              </p:cNvPr>
+              <p:cNvSpPr txBox="1">
+                <a:spLocks noRot="1" noChangeAspect="1" noMove="1" noResize="1" noEditPoints="1" noAdjustHandles="1" noChangeArrowheads="1" noChangeShapeType="1" noTextEdit="1"/>
+              </p:cNvSpPr>
+              <p:nvPr/>
+            </p:nvSpPr>
+            <p:spPr>
+              <a:xfrm>
+                <a:off x="9056102" y="5035257"/>
+                <a:ext cx="2261966" cy="369332"/>
+              </a:xfrm>
+              <a:prstGeom prst="rect">
+                <a:avLst/>
+              </a:prstGeom>
+              <a:blipFill>
+                <a:blip r:embed="rId11"/>
+                <a:stretch>
+                  <a:fillRect l="-2426" t="-9836" b="-24590"/>
+                </a:stretch>
+              </a:blipFill>
+            </p:spPr>
+            <p:txBody>
+              <a:bodyPr/>
+              <a:lstStyle/>
+              <a:p>
+                <a:r>
+                  <a:rPr lang="en-US">
+                    <a:noFill/>
+                  </a:rPr>
+                  <a:t> </a:t>
+                </a:r>
+              </a:p>
+            </p:txBody>
+          </p:sp>
+        </mc:Fallback>
+      </mc:AlternateContent>
+      <p:cxnSp>
+        <p:nvCxnSpPr>
+          <p:cNvPr id="33" name="직선 연결선 32">
+            <a:extLst>
+              <a:ext uri="{FF2B5EF4-FFF2-40B4-BE49-F238E27FC236}">
+                <a16:creationId xmlns:a16="http://schemas.microsoft.com/office/drawing/2014/main" id="{BD199791-3720-4513-96F6-37428CCEAA27}"/>
+              </a:ext>
+            </a:extLst>
+          </p:cNvPr>
+          <p:cNvCxnSpPr>
+            <a:cxnSpLocks/>
+          </p:cNvCxnSpPr>
+          <p:nvPr/>
+        </p:nvCxnSpPr>
+        <p:spPr>
+          <a:xfrm>
+            <a:off x="9124500" y="4791436"/>
+            <a:ext cx="341057" cy="294851"/>
+          </a:xfrm>
+          <a:prstGeom prst="line">
+            <a:avLst/>
+          </a:prstGeom>
+          <a:ln>
+            <a:solidFill>
+              <a:schemeClr val="tx1"/>
+            </a:solidFill>
+          </a:ln>
+        </p:spPr>
+        <p:style>
+          <a:lnRef idx="1">
+            <a:schemeClr val="accent1"/>
+          </a:lnRef>
+          <a:fillRef idx="0">
+            <a:schemeClr val="accent1"/>
+          </a:fillRef>
+          <a:effectRef idx="0">
+            <a:schemeClr val="accent1"/>
+          </a:effectRef>
+          <a:fontRef idx="minor">
+            <a:schemeClr val="tx1"/>
+          </a:fontRef>
+        </p:style>
+      </p:cxnSp>
+      <p:sp>
+        <p:nvSpPr>
+          <p:cNvPr id="36" name="TextBox 35">
+            <a:extLst>
+              <a:ext uri="{FF2B5EF4-FFF2-40B4-BE49-F238E27FC236}">
+                <a16:creationId xmlns:a16="http://schemas.microsoft.com/office/drawing/2014/main" id="{505EB483-6F53-43F6-A9F5-19ACE134E736}"/>
+              </a:ext>
+            </a:extLst>
+          </p:cNvPr>
+          <p:cNvSpPr txBox="1"/>
+          <p:nvPr/>
+        </p:nvSpPr>
+        <p:spPr>
+          <a:xfrm>
+            <a:off x="1867423" y="534707"/>
+            <a:ext cx="2654829" cy="369332"/>
+          </a:xfrm>
+          <a:prstGeom prst="rect">
+            <a:avLst/>
+          </a:prstGeom>
+          <a:noFill/>
+        </p:spPr>
+        <p:txBody>
+          <a:bodyPr wrap="none" rtlCol="0">
+            <a:spAutoFit/>
+          </a:bodyPr>
+          <a:lstStyle/>
+          <a:p>
+            <a:r>
+              <a:rPr lang="en-US" altLang="ko-KR" dirty="0"/>
+              <a:t>&lt;Input(domain)</a:t>
+            </a:r>
+            <a:r>
+              <a:rPr lang="ko-KR" altLang="en-US" dirty="0"/>
+              <a:t> </a:t>
+            </a:r>
+            <a:r>
+              <a:rPr lang="en-US" altLang="ko-KR" dirty="0"/>
+              <a:t>space&gt;</a:t>
+            </a:r>
+            <a:endParaRPr lang="ko-KR" altLang="en-US" dirty="0"/>
+          </a:p>
+        </p:txBody>
+      </p:sp>
+      <p:sp>
+        <p:nvSpPr>
+          <p:cNvPr id="37" name="TextBox 36">
+            <a:extLst>
+              <a:ext uri="{FF2B5EF4-FFF2-40B4-BE49-F238E27FC236}">
+                <a16:creationId xmlns:a16="http://schemas.microsoft.com/office/drawing/2014/main" id="{F74D58F7-3002-4827-B29E-9ABF2B51525E}"/>
+              </a:ext>
+            </a:extLst>
+          </p:cNvPr>
+          <p:cNvSpPr txBox="1"/>
+          <p:nvPr/>
+        </p:nvSpPr>
+        <p:spPr>
+          <a:xfrm>
+            <a:off x="7387765" y="2091723"/>
+            <a:ext cx="2658035" cy="369332"/>
+          </a:xfrm>
+          <a:prstGeom prst="rect">
+            <a:avLst/>
+          </a:prstGeom>
+          <a:noFill/>
+        </p:spPr>
+        <p:txBody>
+          <a:bodyPr wrap="none" rtlCol="0">
+            <a:spAutoFit/>
+          </a:bodyPr>
+          <a:lstStyle/>
+          <a:p>
+            <a:r>
+              <a:rPr lang="en-US" altLang="ko-KR" dirty="0"/>
+              <a:t>&lt;Output(range)</a:t>
+            </a:r>
+            <a:r>
+              <a:rPr lang="ko-KR" altLang="en-US" dirty="0"/>
+              <a:t> </a:t>
+            </a:r>
+            <a:r>
+              <a:rPr lang="en-US" altLang="ko-KR" dirty="0"/>
+              <a:t>space&gt;</a:t>
+            </a:r>
+            <a:endParaRPr lang="ko-KR" altLang="en-US" dirty="0"/>
+          </a:p>
+        </p:txBody>
+      </p:sp>
+    </p:spTree>
+    <p:extLst>
+      <p:ext uri="{BB962C8B-B14F-4D97-AF65-F5344CB8AC3E}">
+        <p14:creationId xmlns:p14="http://schemas.microsoft.com/office/powerpoint/2010/main" val="1259449600"/>
+      </p:ext>
+    </p:extLst>
+  </p:cSld>
+  <p:clrMapOvr>
+    <a:masterClrMapping/>
+  </p:clrMapOvr>
+</p:sld>
+</file>
+
+<file path=ppt/slides/slide3.xml><?xml version="1.0" encoding="utf-8"?>
+<p:sld xmlns:a="http://schemas.openxmlformats.org/drawingml/2006/main" xmlns:r="http://schemas.openxmlformats.org/officeDocument/2006/relationships" xmlns:p="http://schemas.openxmlformats.org/presentationml/2006/main">
+  <p:cSld>
+    <p:spTree>
+      <p:nvGrpSpPr>
+        <p:cNvPr id="1" name=""/>
+        <p:cNvGrpSpPr/>
+        <p:nvPr/>
+      </p:nvGrpSpPr>
+      <p:grpSpPr>
+        <a:xfrm>
+          <a:off x="0" y="0"/>
+          <a:ext cx="0" cy="0"/>
+          <a:chOff x="0" y="0"/>
+          <a:chExt cx="0" cy="0"/>
+        </a:xfrm>
+      </p:grpSpPr>
+      <p:pic>
+        <p:nvPicPr>
           <p:cNvPr id="4" name="그림 3">
             <a:extLst>
               <a:ext uri="{FF2B5EF4-FFF2-40B4-BE49-F238E27FC236}">
@@ -5115,8 +6651,8 @@
           </p:sp>
         </mc:Fallback>
       </mc:AlternateContent>
-      <mc:AlternateContent xmlns:mc="http://schemas.openxmlformats.org/markup-compatibility/2006">
-        <mc:Choice xmlns:a14="http://schemas.microsoft.com/office/drawing/2010/main" Requires="a14">
+      <mc:AlternateContent xmlns:mc="http://schemas.openxmlformats.org/markup-compatibility/2006" xmlns:a14="http://schemas.microsoft.com/office/drawing/2010/main">
+        <mc:Choice Requires="a14">
           <p:sp>
             <p:nvSpPr>
               <p:cNvPr id="7" name="TextBox 6">
@@ -5166,7 +6702,7 @@
             </p:txBody>
           </p:sp>
         </mc:Choice>
-        <mc:Fallback>
+        <mc:Fallback xmlns="">
           <p:sp>
             <p:nvSpPr>
               <p:cNvPr id="7" name="TextBox 6">
@@ -5491,8 +7027,8 @@
             </a:p>
           </p:txBody>
         </p:sp>
-        <mc:AlternateContent xmlns:mc="http://schemas.openxmlformats.org/markup-compatibility/2006">
-          <mc:Choice xmlns:a14="http://schemas.microsoft.com/office/drawing/2010/main" Requires="a14">
+        <mc:AlternateContent xmlns:mc="http://schemas.openxmlformats.org/markup-compatibility/2006" xmlns:a14="http://schemas.microsoft.com/office/drawing/2010/main">
+          <mc:Choice Requires="a14">
             <p:sp>
               <p:nvSpPr>
                 <p:cNvPr id="14" name="TextBox 13">
@@ -5542,7 +7078,7 @@
               </p:txBody>
             </p:sp>
           </mc:Choice>
-          <mc:Fallback>
+          <mc:Fallback xmlns="">
             <p:sp>
               <p:nvSpPr>
                 <p:cNvPr id="14" name="TextBox 13">
@@ -5587,8 +7123,8 @@
             </p:sp>
           </mc:Fallback>
         </mc:AlternateContent>
-        <mc:AlternateContent xmlns:mc="http://schemas.openxmlformats.org/markup-compatibility/2006">
-          <mc:Choice xmlns:a14="http://schemas.microsoft.com/office/drawing/2010/main" Requires="a14">
+        <mc:AlternateContent xmlns:mc="http://schemas.openxmlformats.org/markup-compatibility/2006" xmlns:a14="http://schemas.microsoft.com/office/drawing/2010/main">
+          <mc:Choice Requires="a14">
             <p:sp>
               <p:nvSpPr>
                 <p:cNvPr id="15" name="TextBox 14">
@@ -5638,7 +7174,7 @@
               </p:txBody>
             </p:sp>
           </mc:Choice>
-          <mc:Fallback>
+          <mc:Fallback xmlns="">
             <p:sp>
               <p:nvSpPr>
                 <p:cNvPr id="15" name="TextBox 14">
@@ -5684,8 +7220,8 @@
           </mc:Fallback>
         </mc:AlternateContent>
       </p:grpSp>
-      <mc:AlternateContent xmlns:mc="http://schemas.openxmlformats.org/markup-compatibility/2006">
-        <mc:Choice xmlns:a14="http://schemas.microsoft.com/office/drawing/2010/main" Requires="a14">
+      <mc:AlternateContent xmlns:mc="http://schemas.openxmlformats.org/markup-compatibility/2006" xmlns:a14="http://schemas.microsoft.com/office/drawing/2010/main">
+        <mc:Choice Requires="a14">
           <p:sp>
             <p:nvSpPr>
               <p:cNvPr id="19" name="TextBox 18">
@@ -5831,7 +7367,7 @@
             </p:txBody>
           </p:sp>
         </mc:Choice>
-        <mc:Fallback>
+        <mc:Fallback xmlns="">
           <p:sp>
             <p:nvSpPr>
               <p:cNvPr id="19" name="TextBox 18">
@@ -5879,8 +7415,8 @@
           </p:sp>
         </mc:Fallback>
       </mc:AlternateContent>
-      <mc:AlternateContent xmlns:mc="http://schemas.openxmlformats.org/markup-compatibility/2006">
-        <mc:Choice xmlns:a14="http://schemas.microsoft.com/office/drawing/2010/main" Requires="a14">
+      <mc:AlternateContent xmlns:mc="http://schemas.openxmlformats.org/markup-compatibility/2006" xmlns:a14="http://schemas.microsoft.com/office/drawing/2010/main">
+        <mc:Choice Requires="a14">
           <p:sp>
             <p:nvSpPr>
               <p:cNvPr id="20" name="TextBox 19">
@@ -6026,7 +7562,7 @@
             </p:txBody>
           </p:sp>
         </mc:Choice>
-        <mc:Fallback>
+        <mc:Fallback xmlns="">
           <p:sp>
             <p:nvSpPr>
               <p:cNvPr id="20" name="TextBox 19">
@@ -6441,6 +7977,1613 @@
               <a:rPr lang="ko-KR" altLang="en-US" dirty="0"/>
               <a:t>접평면</a:t>
             </a:r>
+          </a:p>
+        </p:txBody>
+      </p:sp>
+      <p:cxnSp>
+        <p:nvCxnSpPr>
+          <p:cNvPr id="25" name="직선 연결선 24">
+            <a:extLst>
+              <a:ext uri="{FF2B5EF4-FFF2-40B4-BE49-F238E27FC236}">
+                <a16:creationId xmlns:a16="http://schemas.microsoft.com/office/drawing/2014/main" id="{6980C8E7-C8E8-49C7-B151-099704965EA8}"/>
+              </a:ext>
+            </a:extLst>
+          </p:cNvPr>
+          <p:cNvCxnSpPr>
+            <a:cxnSpLocks/>
+          </p:cNvCxnSpPr>
+          <p:nvPr/>
+        </p:nvCxnSpPr>
+        <p:spPr>
+          <a:xfrm flipH="1" flipV="1">
+            <a:off x="7987744" y="2938240"/>
+            <a:ext cx="607981" cy="303170"/>
+          </a:xfrm>
+          <a:prstGeom prst="line">
+            <a:avLst/>
+          </a:prstGeom>
+          <a:ln>
+            <a:solidFill>
+              <a:schemeClr val="tx1"/>
+            </a:solidFill>
+          </a:ln>
+        </p:spPr>
+        <p:style>
+          <a:lnRef idx="1">
+            <a:schemeClr val="accent1"/>
+          </a:lnRef>
+          <a:fillRef idx="0">
+            <a:schemeClr val="accent1"/>
+          </a:fillRef>
+          <a:effectRef idx="0">
+            <a:schemeClr val="accent1"/>
+          </a:effectRef>
+          <a:fontRef idx="minor">
+            <a:schemeClr val="tx1"/>
+          </a:fontRef>
+        </p:style>
+      </p:cxnSp>
+    </p:spTree>
+    <p:extLst>
+      <p:ext uri="{BB962C8B-B14F-4D97-AF65-F5344CB8AC3E}">
+        <p14:creationId xmlns:p14="http://schemas.microsoft.com/office/powerpoint/2010/main" val="3577910614"/>
+      </p:ext>
+    </p:extLst>
+  </p:cSld>
+  <p:clrMapOvr>
+    <a:masterClrMapping/>
+  </p:clrMapOvr>
+</p:sld>
+</file>
+
+<file path=ppt/slides/slide4.xml><?xml version="1.0" encoding="utf-8"?>
+<p:sld xmlns:a="http://schemas.openxmlformats.org/drawingml/2006/main" xmlns:r="http://schemas.openxmlformats.org/officeDocument/2006/relationships" xmlns:p="http://schemas.openxmlformats.org/presentationml/2006/main">
+  <p:cSld>
+    <p:spTree>
+      <p:nvGrpSpPr>
+        <p:cNvPr id="1" name=""/>
+        <p:cNvGrpSpPr/>
+        <p:nvPr/>
+      </p:nvGrpSpPr>
+      <p:grpSpPr>
+        <a:xfrm>
+          <a:off x="0" y="0"/>
+          <a:ext cx="0" cy="0"/>
+          <a:chOff x="0" y="0"/>
+          <a:chExt cx="0" cy="0"/>
+        </a:xfrm>
+      </p:grpSpPr>
+      <p:pic>
+        <p:nvPicPr>
+          <p:cNvPr id="4" name="그림 3">
+            <a:extLst>
+              <a:ext uri="{FF2B5EF4-FFF2-40B4-BE49-F238E27FC236}">
+                <a16:creationId xmlns:a16="http://schemas.microsoft.com/office/drawing/2014/main" id="{C06A990D-A2B9-4875-9FBA-F226905A171C}"/>
+              </a:ext>
+            </a:extLst>
+          </p:cNvPr>
+          <p:cNvPicPr>
+            <a:picLocks noChangeAspect="1"/>
+          </p:cNvPicPr>
+          <p:nvPr/>
+        </p:nvPicPr>
+        <p:blipFill>
+          <a:blip r:embed="rId2">
+            <a:extLst>
+              <a:ext uri="{28A0092B-C50C-407E-A947-70E740481C1C}">
+                <a14:useLocalDpi xmlns:a14="http://schemas.microsoft.com/office/drawing/2010/main" val="0"/>
+              </a:ext>
+            </a:extLst>
+          </a:blip>
+          <a:stretch>
+            <a:fillRect/>
+          </a:stretch>
+        </p:blipFill>
+        <p:spPr>
+          <a:xfrm>
+            <a:off x="1197019" y="1115448"/>
+            <a:ext cx="9296754" cy="5050800"/>
+          </a:xfrm>
+          <a:prstGeom prst="rect">
+            <a:avLst/>
+          </a:prstGeom>
+        </p:spPr>
+      </p:pic>
+      <mc:AlternateContent xmlns:mc="http://schemas.openxmlformats.org/markup-compatibility/2006" xmlns:a14="http://schemas.microsoft.com/office/drawing/2010/main">
+        <mc:Choice Requires="a14">
+          <p:sp>
+            <p:nvSpPr>
+              <p:cNvPr id="5" name="TextBox 4">
+                <a:extLst>
+                  <a:ext uri="{FF2B5EF4-FFF2-40B4-BE49-F238E27FC236}">
+                    <a16:creationId xmlns:a16="http://schemas.microsoft.com/office/drawing/2014/main" id="{162DED0F-40A6-40F7-903A-4819EAFE1051}"/>
+                  </a:ext>
+                </a:extLst>
+              </p:cNvPr>
+              <p:cNvSpPr txBox="1"/>
+              <p:nvPr/>
+            </p:nvSpPr>
+            <p:spPr>
+              <a:xfrm>
+                <a:off x="4259202" y="3618623"/>
+                <a:ext cx="358695" cy="326860"/>
+              </a:xfrm>
+              <a:prstGeom prst="rect">
+                <a:avLst/>
+              </a:prstGeom>
+              <a:noFill/>
+            </p:spPr>
+            <p:txBody>
+              <a:bodyPr wrap="none" rtlCol="0">
+                <a:spAutoFit/>
+              </a:bodyPr>
+              <a:lstStyle/>
+              <a:p>
+                <a:pPr/>
+                <a14:m>
+                  <m:oMathPara xmlns:m="http://schemas.openxmlformats.org/officeDocument/2006/math">
+                    <m:oMathParaPr>
+                      <m:jc m:val="centerGroup"/>
+                    </m:oMathParaPr>
+                    <m:oMath xmlns:m="http://schemas.openxmlformats.org/officeDocument/2006/math">
+                      <m:r>
+                        <a:rPr lang="en-US" altLang="ko-KR" b="0" i="1" smtClean="0">
+                          <a:latin typeface="Cambria Math" panose="02040503050406030204" pitchFamily="18" charset="0"/>
+                        </a:rPr>
+                        <m:t>𝑢</m:t>
+                      </m:r>
+                    </m:oMath>
+                  </m:oMathPara>
+                </a14:m>
+                <a:endParaRPr lang="ko-KR" altLang="en-US" dirty="0"/>
+              </a:p>
+            </p:txBody>
+          </p:sp>
+        </mc:Choice>
+        <mc:Fallback xmlns="">
+          <p:sp>
+            <p:nvSpPr>
+              <p:cNvPr id="5" name="TextBox 4">
+                <a:extLst>
+                  <a:ext uri="{FF2B5EF4-FFF2-40B4-BE49-F238E27FC236}">
+                    <a16:creationId xmlns:a16="http://schemas.microsoft.com/office/drawing/2014/main" id="{162DED0F-40A6-40F7-903A-4819EAFE1051}"/>
+                  </a:ext>
+                </a:extLst>
+              </p:cNvPr>
+              <p:cNvSpPr txBox="1">
+                <a:spLocks noRot="1" noChangeAspect="1" noMove="1" noResize="1" noEditPoints="1" noAdjustHandles="1" noChangeArrowheads="1" noChangeShapeType="1" noTextEdit="1"/>
+              </p:cNvSpPr>
+              <p:nvPr/>
+            </p:nvSpPr>
+            <p:spPr>
+              <a:xfrm>
+                <a:off x="4259202" y="3618623"/>
+                <a:ext cx="358695" cy="326860"/>
+              </a:xfrm>
+              <a:prstGeom prst="rect">
+                <a:avLst/>
+              </a:prstGeom>
+              <a:blipFill>
+                <a:blip r:embed="rId3"/>
+                <a:stretch>
+                  <a:fillRect b="-1887"/>
+                </a:stretch>
+              </a:blipFill>
+            </p:spPr>
+            <p:txBody>
+              <a:bodyPr/>
+              <a:lstStyle/>
+              <a:p>
+                <a:r>
+                  <a:rPr lang="ko-KR" altLang="en-US">
+                    <a:noFill/>
+                  </a:rPr>
+                  <a:t> </a:t>
+                </a:r>
+              </a:p>
+            </p:txBody>
+          </p:sp>
+        </mc:Fallback>
+      </mc:AlternateContent>
+      <mc:AlternateContent xmlns:mc="http://schemas.openxmlformats.org/markup-compatibility/2006" xmlns:a14="http://schemas.microsoft.com/office/drawing/2010/main">
+        <mc:Choice Requires="a14">
+          <p:sp>
+            <p:nvSpPr>
+              <p:cNvPr id="6" name="TextBox 5">
+                <a:extLst>
+                  <a:ext uri="{FF2B5EF4-FFF2-40B4-BE49-F238E27FC236}">
+                    <a16:creationId xmlns:a16="http://schemas.microsoft.com/office/drawing/2014/main" id="{5A694017-7872-414A-B0B3-18A9CFB83CC6}"/>
+                  </a:ext>
+                </a:extLst>
+              </p:cNvPr>
+              <p:cNvSpPr txBox="1"/>
+              <p:nvPr/>
+            </p:nvSpPr>
+            <p:spPr>
+              <a:xfrm>
+                <a:off x="1005526" y="1182842"/>
+                <a:ext cx="358695" cy="326860"/>
+              </a:xfrm>
+              <a:prstGeom prst="rect">
+                <a:avLst/>
+              </a:prstGeom>
+              <a:noFill/>
+            </p:spPr>
+            <p:txBody>
+              <a:bodyPr wrap="none" rtlCol="0">
+                <a:spAutoFit/>
+              </a:bodyPr>
+              <a:lstStyle/>
+              <a:p>
+                <a:pPr/>
+                <a14:m>
+                  <m:oMathPara xmlns:m="http://schemas.openxmlformats.org/officeDocument/2006/math">
+                    <m:oMathParaPr>
+                      <m:jc m:val="centerGroup"/>
+                    </m:oMathParaPr>
+                    <m:oMath xmlns:m="http://schemas.openxmlformats.org/officeDocument/2006/math">
+                      <m:r>
+                        <a:rPr lang="en-US" altLang="ko-KR" b="0" i="1" smtClean="0">
+                          <a:latin typeface="Cambria Math" panose="02040503050406030204" pitchFamily="18" charset="0"/>
+                        </a:rPr>
+                        <m:t>𝑣</m:t>
+                      </m:r>
+                    </m:oMath>
+                  </m:oMathPara>
+                </a14:m>
+                <a:endParaRPr lang="ko-KR" altLang="en-US" dirty="0"/>
+              </a:p>
+            </p:txBody>
+          </p:sp>
+        </mc:Choice>
+        <mc:Fallback xmlns="">
+          <p:sp>
+            <p:nvSpPr>
+              <p:cNvPr id="6" name="TextBox 5">
+                <a:extLst>
+                  <a:ext uri="{FF2B5EF4-FFF2-40B4-BE49-F238E27FC236}">
+                    <a16:creationId xmlns:a16="http://schemas.microsoft.com/office/drawing/2014/main" id="{5A694017-7872-414A-B0B3-18A9CFB83CC6}"/>
+                  </a:ext>
+                </a:extLst>
+              </p:cNvPr>
+              <p:cNvSpPr txBox="1">
+                <a:spLocks noRot="1" noChangeAspect="1" noMove="1" noResize="1" noEditPoints="1" noAdjustHandles="1" noChangeArrowheads="1" noChangeShapeType="1" noTextEdit="1"/>
+              </p:cNvSpPr>
+              <p:nvPr/>
+            </p:nvSpPr>
+            <p:spPr>
+              <a:xfrm>
+                <a:off x="1005526" y="1182842"/>
+                <a:ext cx="358695" cy="326860"/>
+              </a:xfrm>
+              <a:prstGeom prst="rect">
+                <a:avLst/>
+              </a:prstGeom>
+              <a:blipFill>
+                <a:blip r:embed="rId4"/>
+                <a:stretch>
+                  <a:fillRect b="-1852"/>
+                </a:stretch>
+              </a:blipFill>
+            </p:spPr>
+            <p:txBody>
+              <a:bodyPr/>
+              <a:lstStyle/>
+              <a:p>
+                <a:r>
+                  <a:rPr lang="ko-KR" altLang="en-US">
+                    <a:noFill/>
+                  </a:rPr>
+                  <a:t> </a:t>
+                </a:r>
+              </a:p>
+            </p:txBody>
+          </p:sp>
+        </mc:Fallback>
+      </mc:AlternateContent>
+      <mc:AlternateContent xmlns:mc="http://schemas.openxmlformats.org/markup-compatibility/2006" xmlns:a14="http://schemas.microsoft.com/office/drawing/2010/main">
+        <mc:Choice Requires="a14">
+          <p:sp>
+            <p:nvSpPr>
+              <p:cNvPr id="7" name="TextBox 6">
+                <a:extLst>
+                  <a:ext uri="{FF2B5EF4-FFF2-40B4-BE49-F238E27FC236}">
+                    <a16:creationId xmlns:a16="http://schemas.microsoft.com/office/drawing/2014/main" id="{9C802217-2675-43DD-9778-F71D2C5B1B7C}"/>
+                  </a:ext>
+                </a:extLst>
+              </p:cNvPr>
+              <p:cNvSpPr txBox="1"/>
+              <p:nvPr/>
+            </p:nvSpPr>
+            <p:spPr>
+              <a:xfrm>
+                <a:off x="1086561" y="3618623"/>
+                <a:ext cx="349276" cy="326860"/>
+              </a:xfrm>
+              <a:prstGeom prst="rect">
+                <a:avLst/>
+              </a:prstGeom>
+              <a:noFill/>
+            </p:spPr>
+            <p:txBody>
+              <a:bodyPr wrap="none" rtlCol="0">
+                <a:spAutoFit/>
+              </a:bodyPr>
+              <a:lstStyle/>
+              <a:p>
+                <a:pPr/>
+                <a14:m>
+                  <m:oMathPara xmlns:m="http://schemas.openxmlformats.org/officeDocument/2006/math">
+                    <m:oMathParaPr>
+                      <m:jc m:val="centerGroup"/>
+                    </m:oMathParaPr>
+                    <m:oMath xmlns:m="http://schemas.openxmlformats.org/officeDocument/2006/math">
+                      <m:r>
+                        <a:rPr lang="en-US" altLang="ko-KR" b="0" i="1" smtClean="0">
+                          <a:latin typeface="Cambria Math" panose="02040503050406030204" pitchFamily="18" charset="0"/>
+                        </a:rPr>
+                        <m:t>0</m:t>
+                      </m:r>
+                    </m:oMath>
+                  </m:oMathPara>
+                </a14:m>
+                <a:endParaRPr lang="ko-KR" altLang="en-US" dirty="0"/>
+              </a:p>
+            </p:txBody>
+          </p:sp>
+        </mc:Choice>
+        <mc:Fallback xmlns="">
+          <p:sp>
+            <p:nvSpPr>
+              <p:cNvPr id="7" name="TextBox 6">
+                <a:extLst>
+                  <a:ext uri="{FF2B5EF4-FFF2-40B4-BE49-F238E27FC236}">
+                    <a16:creationId xmlns:a16="http://schemas.microsoft.com/office/drawing/2014/main" id="{9C802217-2675-43DD-9778-F71D2C5B1B7C}"/>
+                  </a:ext>
+                </a:extLst>
+              </p:cNvPr>
+              <p:cNvSpPr txBox="1">
+                <a:spLocks noRot="1" noChangeAspect="1" noMove="1" noResize="1" noEditPoints="1" noAdjustHandles="1" noChangeArrowheads="1" noChangeShapeType="1" noTextEdit="1"/>
+              </p:cNvSpPr>
+              <p:nvPr/>
+            </p:nvSpPr>
+            <p:spPr>
+              <a:xfrm>
+                <a:off x="1086561" y="3618623"/>
+                <a:ext cx="349276" cy="326860"/>
+              </a:xfrm>
+              <a:prstGeom prst="rect">
+                <a:avLst/>
+              </a:prstGeom>
+              <a:blipFill>
+                <a:blip r:embed="rId5"/>
+                <a:stretch>
+                  <a:fillRect b="-9434"/>
+                </a:stretch>
+              </a:blipFill>
+            </p:spPr>
+            <p:txBody>
+              <a:bodyPr/>
+              <a:lstStyle/>
+              <a:p>
+                <a:r>
+                  <a:rPr lang="ko-KR" altLang="en-US">
+                    <a:noFill/>
+                  </a:rPr>
+                  <a:t> </a:t>
+                </a:r>
+              </a:p>
+            </p:txBody>
+          </p:sp>
+        </mc:Fallback>
+      </mc:AlternateContent>
+      <p:sp>
+        <p:nvSpPr>
+          <p:cNvPr id="8" name="TextBox 7">
+            <a:extLst>
+              <a:ext uri="{FF2B5EF4-FFF2-40B4-BE49-F238E27FC236}">
+                <a16:creationId xmlns:a16="http://schemas.microsoft.com/office/drawing/2014/main" id="{B3B385F5-B798-4736-94C5-E60D8BD9C4FB}"/>
+              </a:ext>
+            </a:extLst>
+          </p:cNvPr>
+          <p:cNvSpPr txBox="1"/>
+          <p:nvPr/>
+        </p:nvSpPr>
+        <p:spPr>
+          <a:xfrm>
+            <a:off x="1867423" y="534707"/>
+            <a:ext cx="2654829" cy="369332"/>
+          </a:xfrm>
+          <a:prstGeom prst="rect">
+            <a:avLst/>
+          </a:prstGeom>
+          <a:noFill/>
+        </p:spPr>
+        <p:txBody>
+          <a:bodyPr wrap="none" rtlCol="0">
+            <a:spAutoFit/>
+          </a:bodyPr>
+          <a:lstStyle/>
+          <a:p>
+            <a:r>
+              <a:rPr lang="en-US" altLang="ko-KR" dirty="0"/>
+              <a:t>&lt;Input(domain)</a:t>
+            </a:r>
+            <a:r>
+              <a:rPr lang="ko-KR" altLang="en-US" dirty="0"/>
+              <a:t> </a:t>
+            </a:r>
+            <a:r>
+              <a:rPr lang="en-US" altLang="ko-KR" dirty="0"/>
+              <a:t>space&gt;</a:t>
+            </a:r>
+            <a:endParaRPr lang="ko-KR" altLang="en-US" dirty="0"/>
+          </a:p>
+        </p:txBody>
+      </p:sp>
+      <p:sp>
+        <p:nvSpPr>
+          <p:cNvPr id="9" name="TextBox 8">
+            <a:extLst>
+              <a:ext uri="{FF2B5EF4-FFF2-40B4-BE49-F238E27FC236}">
+                <a16:creationId xmlns:a16="http://schemas.microsoft.com/office/drawing/2014/main" id="{A0C736FA-8692-464B-85BB-C9AA6A10C7A5}"/>
+              </a:ext>
+            </a:extLst>
+          </p:cNvPr>
+          <p:cNvSpPr txBox="1"/>
+          <p:nvPr/>
+        </p:nvSpPr>
+        <p:spPr>
+          <a:xfrm>
+            <a:off x="7387765" y="2091723"/>
+            <a:ext cx="2658035" cy="369332"/>
+          </a:xfrm>
+          <a:prstGeom prst="rect">
+            <a:avLst/>
+          </a:prstGeom>
+          <a:noFill/>
+        </p:spPr>
+        <p:txBody>
+          <a:bodyPr wrap="none" rtlCol="0">
+            <a:spAutoFit/>
+          </a:bodyPr>
+          <a:lstStyle/>
+          <a:p>
+            <a:r>
+              <a:rPr lang="en-US" altLang="ko-KR" dirty="0"/>
+              <a:t>&lt;Output(range)</a:t>
+            </a:r>
+            <a:r>
+              <a:rPr lang="ko-KR" altLang="en-US" dirty="0"/>
+              <a:t> </a:t>
+            </a:r>
+            <a:r>
+              <a:rPr lang="en-US" altLang="ko-KR" dirty="0"/>
+              <a:t>space&gt;</a:t>
+            </a:r>
+            <a:endParaRPr lang="ko-KR" altLang="en-US" dirty="0"/>
+          </a:p>
+        </p:txBody>
+      </p:sp>
+      <p:grpSp>
+        <p:nvGrpSpPr>
+          <p:cNvPr id="22" name="그룹 21">
+            <a:extLst>
+              <a:ext uri="{FF2B5EF4-FFF2-40B4-BE49-F238E27FC236}">
+                <a16:creationId xmlns:a16="http://schemas.microsoft.com/office/drawing/2014/main" id="{8C51B2C8-5ACC-4CEF-A627-B2D6840C4DB9}"/>
+              </a:ext>
+            </a:extLst>
+          </p:cNvPr>
+          <p:cNvGrpSpPr/>
+          <p:nvPr/>
+        </p:nvGrpSpPr>
+        <p:grpSpPr>
+          <a:xfrm>
+            <a:off x="1867423" y="2138764"/>
+            <a:ext cx="1200530" cy="1143785"/>
+            <a:chOff x="2237154" y="1597306"/>
+            <a:chExt cx="1200530" cy="1143785"/>
+          </a:xfrm>
+        </p:grpSpPr>
+        <p:cxnSp>
+          <p:nvCxnSpPr>
+            <p:cNvPr id="11" name="직선 화살표 연결선 10">
+              <a:extLst>
+                <a:ext uri="{FF2B5EF4-FFF2-40B4-BE49-F238E27FC236}">
+                  <a16:creationId xmlns:a16="http://schemas.microsoft.com/office/drawing/2014/main" id="{644666CB-0197-44A9-9D59-888E8AE763A8}"/>
+                </a:ext>
+              </a:extLst>
+            </p:cNvPr>
+            <p:cNvCxnSpPr>
+              <a:cxnSpLocks/>
+            </p:cNvCxnSpPr>
+            <p:nvPr/>
+          </p:nvCxnSpPr>
+          <p:spPr>
+            <a:xfrm flipV="1">
+              <a:off x="2731754" y="1597306"/>
+              <a:ext cx="0" cy="734245"/>
+            </a:xfrm>
+            <a:prstGeom prst="straightConnector1">
+              <a:avLst/>
+            </a:prstGeom>
+            <a:ln w="19050">
+              <a:solidFill>
+                <a:srgbClr val="4D94CF"/>
+              </a:solidFill>
+              <a:tailEnd type="triangle"/>
+            </a:ln>
+          </p:spPr>
+          <p:style>
+            <a:lnRef idx="1">
+              <a:schemeClr val="accent1"/>
+            </a:lnRef>
+            <a:fillRef idx="0">
+              <a:schemeClr val="accent1"/>
+            </a:fillRef>
+            <a:effectRef idx="0">
+              <a:schemeClr val="accent1"/>
+            </a:effectRef>
+            <a:fontRef idx="minor">
+              <a:schemeClr val="tx1"/>
+            </a:fontRef>
+          </p:style>
+        </p:cxnSp>
+        <p:cxnSp>
+          <p:nvCxnSpPr>
+            <p:cNvPr id="13" name="직선 화살표 연결선 12">
+              <a:extLst>
+                <a:ext uri="{FF2B5EF4-FFF2-40B4-BE49-F238E27FC236}">
+                  <a16:creationId xmlns:a16="http://schemas.microsoft.com/office/drawing/2014/main" id="{50687F49-E02E-4D35-AD32-391A0DE8457B}"/>
+                </a:ext>
+              </a:extLst>
+            </p:cNvPr>
+            <p:cNvCxnSpPr>
+              <a:cxnSpLocks/>
+            </p:cNvCxnSpPr>
+            <p:nvPr/>
+          </p:nvCxnSpPr>
+          <p:spPr>
+            <a:xfrm>
+              <a:off x="2731754" y="2302543"/>
+              <a:ext cx="705930" cy="0"/>
+            </a:xfrm>
+            <a:prstGeom prst="straightConnector1">
+              <a:avLst/>
+            </a:prstGeom>
+            <a:ln w="19050">
+              <a:solidFill>
+                <a:srgbClr val="EF5454"/>
+              </a:solidFill>
+              <a:tailEnd type="triangle"/>
+            </a:ln>
+          </p:spPr>
+          <p:style>
+            <a:lnRef idx="1">
+              <a:schemeClr val="accent1"/>
+            </a:lnRef>
+            <a:fillRef idx="0">
+              <a:schemeClr val="accent1"/>
+            </a:fillRef>
+            <a:effectRef idx="0">
+              <a:schemeClr val="accent1"/>
+            </a:effectRef>
+            <a:fontRef idx="minor">
+              <a:schemeClr val="tx1"/>
+            </a:fontRef>
+          </p:style>
+        </p:cxnSp>
+        <p:sp>
+          <p:nvSpPr>
+            <p:cNvPr id="10" name="타원 9">
+              <a:extLst>
+                <a:ext uri="{FF2B5EF4-FFF2-40B4-BE49-F238E27FC236}">
+                  <a16:creationId xmlns:a16="http://schemas.microsoft.com/office/drawing/2014/main" id="{FA4F0841-64BA-4078-A5C7-275F18B0CC2F}"/>
+                </a:ext>
+              </a:extLst>
+            </p:cNvPr>
+            <p:cNvSpPr/>
+            <p:nvPr/>
+          </p:nvSpPr>
+          <p:spPr>
+            <a:xfrm>
+              <a:off x="2663746" y="2231424"/>
+              <a:ext cx="141278" cy="141544"/>
+            </a:xfrm>
+            <a:prstGeom prst="ellipse">
+              <a:avLst/>
+            </a:prstGeom>
+            <a:solidFill>
+              <a:srgbClr val="EF5454"/>
+            </a:solidFill>
+            <a:ln>
+              <a:noFill/>
+            </a:ln>
+          </p:spPr>
+          <p:style>
+            <a:lnRef idx="2">
+              <a:schemeClr val="accent1">
+                <a:shade val="50000"/>
+              </a:schemeClr>
+            </a:lnRef>
+            <a:fillRef idx="1">
+              <a:schemeClr val="accent1"/>
+            </a:fillRef>
+            <a:effectRef idx="0">
+              <a:schemeClr val="accent1"/>
+            </a:effectRef>
+            <a:fontRef idx="minor">
+              <a:schemeClr val="lt1"/>
+            </a:fontRef>
+          </p:style>
+          <p:txBody>
+            <a:bodyPr rtlCol="0" anchor="ctr"/>
+            <a:lstStyle/>
+            <a:p>
+              <a:pPr algn="ctr"/>
+              <a:endParaRPr lang="ko-KR" altLang="en-US"/>
+            </a:p>
+          </p:txBody>
+        </p:sp>
+        <mc:AlternateContent xmlns:mc="http://schemas.openxmlformats.org/markup-compatibility/2006" xmlns:a14="http://schemas.microsoft.com/office/drawing/2010/main">
+          <mc:Choice Requires="a14">
+            <p:sp>
+              <p:nvSpPr>
+                <p:cNvPr id="14" name="TextBox 13">
+                  <a:extLst>
+                    <a:ext uri="{FF2B5EF4-FFF2-40B4-BE49-F238E27FC236}">
+                      <a16:creationId xmlns:a16="http://schemas.microsoft.com/office/drawing/2014/main" id="{579976FA-5649-4795-BC5F-1C736CD3C519}"/>
+                    </a:ext>
+                  </a:extLst>
+                </p:cNvPr>
+                <p:cNvSpPr txBox="1"/>
+                <p:nvPr/>
+              </p:nvSpPr>
+              <p:spPr>
+                <a:xfrm>
+                  <a:off x="2237154" y="1773936"/>
+                  <a:ext cx="531236" cy="369332"/>
+                </a:xfrm>
+                <a:prstGeom prst="rect">
+                  <a:avLst/>
+                </a:prstGeom>
+                <a:noFill/>
+              </p:spPr>
+              <p:txBody>
+                <a:bodyPr wrap="none" rtlCol="0">
+                  <a:spAutoFit/>
+                </a:bodyPr>
+                <a:lstStyle/>
+                <a:p>
+                  <a:pPr/>
+                  <a14:m>
+                    <m:oMathPara xmlns:m="http://schemas.openxmlformats.org/officeDocument/2006/math">
+                      <m:oMathParaPr>
+                        <m:jc m:val="centerGroup"/>
+                      </m:oMathParaPr>
+                      <m:oMath xmlns:m="http://schemas.openxmlformats.org/officeDocument/2006/math">
+                        <m:r>
+                          <a:rPr lang="en-US" altLang="ko-KR" b="0" i="1" smtClean="0">
+                            <a:latin typeface="Cambria Math" panose="02040503050406030204" pitchFamily="18" charset="0"/>
+                          </a:rPr>
+                          <m:t>𝑑𝑣</m:t>
+                        </m:r>
+                      </m:oMath>
+                    </m:oMathPara>
+                  </a14:m>
+                  <a:endParaRPr lang="ko-KR" altLang="en-US" dirty="0"/>
+                </a:p>
+              </p:txBody>
+            </p:sp>
+          </mc:Choice>
+          <mc:Fallback xmlns="">
+            <p:sp>
+              <p:nvSpPr>
+                <p:cNvPr id="14" name="TextBox 13">
+                  <a:extLst>
+                    <a:ext uri="{FF2B5EF4-FFF2-40B4-BE49-F238E27FC236}">
+                      <a16:creationId xmlns:a16="http://schemas.microsoft.com/office/drawing/2014/main" id="{579976FA-5649-4795-BC5F-1C736CD3C519}"/>
+                    </a:ext>
+                  </a:extLst>
+                </p:cNvPr>
+                <p:cNvSpPr txBox="1">
+                  <a:spLocks noRot="1" noChangeAspect="1" noMove="1" noResize="1" noEditPoints="1" noAdjustHandles="1" noChangeArrowheads="1" noChangeShapeType="1" noTextEdit="1"/>
+                </p:cNvSpPr>
+                <p:nvPr/>
+              </p:nvSpPr>
+              <p:spPr>
+                <a:xfrm>
+                  <a:off x="2237154" y="1773936"/>
+                  <a:ext cx="531236" cy="369332"/>
+                </a:xfrm>
+                <a:prstGeom prst="rect">
+                  <a:avLst/>
+                </a:prstGeom>
+                <a:blipFill>
+                  <a:blip r:embed="rId6"/>
+                  <a:stretch>
+                    <a:fillRect/>
+                  </a:stretch>
+                </a:blipFill>
+              </p:spPr>
+              <p:txBody>
+                <a:bodyPr/>
+                <a:lstStyle/>
+                <a:p>
+                  <a:r>
+                    <a:rPr lang="ko-KR" altLang="en-US">
+                      <a:noFill/>
+                    </a:rPr>
+                    <a:t> </a:t>
+                  </a:r>
+                </a:p>
+              </p:txBody>
+            </p:sp>
+          </mc:Fallback>
+        </mc:AlternateContent>
+        <mc:AlternateContent xmlns:mc="http://schemas.openxmlformats.org/markup-compatibility/2006" xmlns:a14="http://schemas.microsoft.com/office/drawing/2010/main">
+          <mc:Choice Requires="a14">
+            <p:sp>
+              <p:nvSpPr>
+                <p:cNvPr id="15" name="TextBox 14">
+                  <a:extLst>
+                    <a:ext uri="{FF2B5EF4-FFF2-40B4-BE49-F238E27FC236}">
+                      <a16:creationId xmlns:a16="http://schemas.microsoft.com/office/drawing/2014/main" id="{3D98AFC8-2F37-4D41-AA9C-C101AC566FC7}"/>
+                    </a:ext>
+                  </a:extLst>
+                </p:cNvPr>
+                <p:cNvSpPr txBox="1"/>
+                <p:nvPr/>
+              </p:nvSpPr>
+              <p:spPr>
+                <a:xfrm>
+                  <a:off x="2815542" y="2371759"/>
+                  <a:ext cx="538353" cy="369332"/>
+                </a:xfrm>
+                <a:prstGeom prst="rect">
+                  <a:avLst/>
+                </a:prstGeom>
+                <a:noFill/>
+              </p:spPr>
+              <p:txBody>
+                <a:bodyPr wrap="none" rtlCol="0">
+                  <a:spAutoFit/>
+                </a:bodyPr>
+                <a:lstStyle/>
+                <a:p>
+                  <a:pPr/>
+                  <a14:m>
+                    <m:oMathPara xmlns:m="http://schemas.openxmlformats.org/officeDocument/2006/math">
+                      <m:oMathParaPr>
+                        <m:jc m:val="centerGroup"/>
+                      </m:oMathParaPr>
+                      <m:oMath xmlns:m="http://schemas.openxmlformats.org/officeDocument/2006/math">
+                        <m:r>
+                          <a:rPr lang="en-US" altLang="ko-KR" i="1">
+                            <a:latin typeface="Cambria Math" panose="02040503050406030204" pitchFamily="18" charset="0"/>
+                          </a:rPr>
+                          <m:t>𝑑𝑢</m:t>
+                        </m:r>
+                      </m:oMath>
+                    </m:oMathPara>
+                  </a14:m>
+                  <a:endParaRPr lang="ko-KR" altLang="en-US" dirty="0"/>
+                </a:p>
+              </p:txBody>
+            </p:sp>
+          </mc:Choice>
+          <mc:Fallback xmlns="">
+            <p:sp>
+              <p:nvSpPr>
+                <p:cNvPr id="15" name="TextBox 14">
+                  <a:extLst>
+                    <a:ext uri="{FF2B5EF4-FFF2-40B4-BE49-F238E27FC236}">
+                      <a16:creationId xmlns:a16="http://schemas.microsoft.com/office/drawing/2014/main" id="{3D98AFC8-2F37-4D41-AA9C-C101AC566FC7}"/>
+                    </a:ext>
+                  </a:extLst>
+                </p:cNvPr>
+                <p:cNvSpPr txBox="1">
+                  <a:spLocks noRot="1" noChangeAspect="1" noMove="1" noResize="1" noEditPoints="1" noAdjustHandles="1" noChangeArrowheads="1" noChangeShapeType="1" noTextEdit="1"/>
+                </p:cNvSpPr>
+                <p:nvPr/>
+              </p:nvSpPr>
+              <p:spPr>
+                <a:xfrm>
+                  <a:off x="2815542" y="2371759"/>
+                  <a:ext cx="538353" cy="369332"/>
+                </a:xfrm>
+                <a:prstGeom prst="rect">
+                  <a:avLst/>
+                </a:prstGeom>
+                <a:blipFill>
+                  <a:blip r:embed="rId7"/>
+                  <a:stretch>
+                    <a:fillRect/>
+                  </a:stretch>
+                </a:blipFill>
+              </p:spPr>
+              <p:txBody>
+                <a:bodyPr/>
+                <a:lstStyle/>
+                <a:p>
+                  <a:r>
+                    <a:rPr lang="ko-KR" altLang="en-US">
+                      <a:noFill/>
+                    </a:rPr>
+                    <a:t> </a:t>
+                  </a:r>
+                </a:p>
+              </p:txBody>
+            </p:sp>
+          </mc:Fallback>
+        </mc:AlternateContent>
+      </p:grpSp>
+      <mc:AlternateContent xmlns:mc="http://schemas.openxmlformats.org/markup-compatibility/2006" xmlns:a14="http://schemas.microsoft.com/office/drawing/2010/main">
+        <mc:Choice Requires="a14">
+          <p:sp>
+            <p:nvSpPr>
+              <p:cNvPr id="19" name="TextBox 18">
+                <a:extLst>
+                  <a:ext uri="{FF2B5EF4-FFF2-40B4-BE49-F238E27FC236}">
+                    <a16:creationId xmlns:a16="http://schemas.microsoft.com/office/drawing/2014/main" id="{A7FFF7C5-D8D4-4509-8093-C09A479FCEBF}"/>
+                  </a:ext>
+                </a:extLst>
+              </p:cNvPr>
+              <p:cNvSpPr txBox="1"/>
+              <p:nvPr/>
+            </p:nvSpPr>
+            <p:spPr>
+              <a:xfrm>
+                <a:off x="6491757" y="4092971"/>
+                <a:ext cx="1495987" cy="911596"/>
+              </a:xfrm>
+              <a:prstGeom prst="rect">
+                <a:avLst/>
+              </a:prstGeom>
+              <a:noFill/>
+              <a:ln>
+                <a:noFill/>
+              </a:ln>
+            </p:spPr>
+            <p:txBody>
+              <a:bodyPr wrap="none" rtlCol="0">
+                <a:spAutoFit/>
+              </a:bodyPr>
+              <a:lstStyle/>
+              <a:p>
+                <a:pPr/>
+                <a14:m>
+                  <m:oMathPara xmlns:m="http://schemas.openxmlformats.org/officeDocument/2006/math">
+                    <m:oMathParaPr>
+                      <m:jc m:val="centerGroup"/>
+                    </m:oMathParaPr>
+                    <m:oMath xmlns:m="http://schemas.openxmlformats.org/officeDocument/2006/math">
+                      <m:sSub>
+                        <m:sSubPr>
+                          <m:ctrlPr>
+                            <a:rPr lang="en-US" altLang="ko-KR" sz="2800" b="0" i="1" smtClean="0">
+                              <a:solidFill>
+                                <a:srgbClr val="EF5454"/>
+                              </a:solidFill>
+                              <a:latin typeface="Cambria Math" panose="02040503050406030204" pitchFamily="18" charset="0"/>
+                            </a:rPr>
+                          </m:ctrlPr>
+                        </m:sSubPr>
+                        <m:e>
+                          <m:r>
+                            <a:rPr lang="en-US" altLang="ko-KR" sz="2800" b="0" i="1" smtClean="0">
+                              <a:solidFill>
+                                <a:srgbClr val="EF5454"/>
+                              </a:solidFill>
+                              <a:latin typeface="Cambria Math" panose="02040503050406030204" pitchFamily="18" charset="0"/>
+                            </a:rPr>
+                            <m:t>𝑟</m:t>
+                          </m:r>
+                        </m:e>
+                        <m:sub>
+                          <m:r>
+                            <a:rPr lang="en-US" altLang="ko-KR" sz="2800" b="0" i="1" smtClean="0">
+                              <a:solidFill>
+                                <a:srgbClr val="EF5454"/>
+                              </a:solidFill>
+                              <a:latin typeface="Cambria Math" panose="02040503050406030204" pitchFamily="18" charset="0"/>
+                            </a:rPr>
+                            <m:t>𝑢</m:t>
+                          </m:r>
+                        </m:sub>
+                      </m:sSub>
+                      <m:r>
+                        <a:rPr lang="en-US" altLang="ko-KR" sz="2800" b="0" i="1" smtClean="0">
+                          <a:solidFill>
+                            <a:srgbClr val="EF5454"/>
+                          </a:solidFill>
+                          <a:latin typeface="Cambria Math" panose="02040503050406030204" pitchFamily="18" charset="0"/>
+                        </a:rPr>
+                        <m:t>=</m:t>
+                      </m:r>
+                      <m:f>
+                        <m:fPr>
+                          <m:ctrlPr>
+                            <a:rPr lang="en-US" altLang="ko-KR" sz="2800" b="0" i="1" smtClean="0">
+                              <a:solidFill>
+                                <a:srgbClr val="EF5454"/>
+                              </a:solidFill>
+                              <a:latin typeface="Cambria Math" panose="02040503050406030204" pitchFamily="18" charset="0"/>
+                            </a:rPr>
+                          </m:ctrlPr>
+                        </m:fPr>
+                        <m:num>
+                          <m:r>
+                            <a:rPr lang="en-US" altLang="ko-KR" sz="2800" b="0" i="1" smtClean="0">
+                              <a:solidFill>
+                                <a:srgbClr val="EF5454"/>
+                              </a:solidFill>
+                              <a:latin typeface="Cambria Math" panose="02040503050406030204" pitchFamily="18" charset="0"/>
+                            </a:rPr>
+                            <m:t>𝜕</m:t>
+                          </m:r>
+                          <m:r>
+                            <a:rPr lang="en-US" altLang="ko-KR" sz="2800" b="0" i="1" smtClean="0">
+                              <a:solidFill>
+                                <a:srgbClr val="EF5454"/>
+                              </a:solidFill>
+                              <a:latin typeface="Cambria Math" panose="02040503050406030204" pitchFamily="18" charset="0"/>
+                            </a:rPr>
+                            <m:t>𝑟</m:t>
+                          </m:r>
+                        </m:num>
+                        <m:den>
+                          <m:r>
+                            <a:rPr lang="en-US" altLang="ko-KR" sz="2800" b="0" i="1" smtClean="0">
+                              <a:solidFill>
+                                <a:srgbClr val="EF5454"/>
+                              </a:solidFill>
+                              <a:latin typeface="Cambria Math" panose="02040503050406030204" pitchFamily="18" charset="0"/>
+                            </a:rPr>
+                            <m:t>𝜕</m:t>
+                          </m:r>
+                          <m:r>
+                            <a:rPr lang="en-US" altLang="ko-KR" sz="2800" b="0" i="1" smtClean="0">
+                              <a:solidFill>
+                                <a:srgbClr val="EF5454"/>
+                              </a:solidFill>
+                              <a:latin typeface="Cambria Math" panose="02040503050406030204" pitchFamily="18" charset="0"/>
+                            </a:rPr>
+                            <m:t>𝑢</m:t>
+                          </m:r>
+                        </m:den>
+                      </m:f>
+                    </m:oMath>
+                  </m:oMathPara>
+                </a14:m>
+                <a:endParaRPr lang="ko-KR" altLang="en-US" sz="2800" dirty="0">
+                  <a:solidFill>
+                    <a:srgbClr val="EF5454"/>
+                  </a:solidFill>
+                </a:endParaRPr>
+              </a:p>
+            </p:txBody>
+          </p:sp>
+        </mc:Choice>
+        <mc:Fallback xmlns="">
+          <p:sp>
+            <p:nvSpPr>
+              <p:cNvPr id="19" name="TextBox 18">
+                <a:extLst>
+                  <a:ext uri="{FF2B5EF4-FFF2-40B4-BE49-F238E27FC236}">
+                    <a16:creationId xmlns:a16="http://schemas.microsoft.com/office/drawing/2014/main" id="{A7FFF7C5-D8D4-4509-8093-C09A479FCEBF}"/>
+                  </a:ext>
+                </a:extLst>
+              </p:cNvPr>
+              <p:cNvSpPr txBox="1">
+                <a:spLocks noRot="1" noChangeAspect="1" noMove="1" noResize="1" noEditPoints="1" noAdjustHandles="1" noChangeArrowheads="1" noChangeShapeType="1" noTextEdit="1"/>
+              </p:cNvSpPr>
+              <p:nvPr/>
+            </p:nvSpPr>
+            <p:spPr>
+              <a:xfrm>
+                <a:off x="6491757" y="4092971"/>
+                <a:ext cx="1495987" cy="911596"/>
+              </a:xfrm>
+              <a:prstGeom prst="rect">
+                <a:avLst/>
+              </a:prstGeom>
+              <a:blipFill>
+                <a:blip r:embed="rId8"/>
+                <a:stretch>
+                  <a:fillRect/>
+                </a:stretch>
+              </a:blipFill>
+              <a:ln>
+                <a:noFill/>
+              </a:ln>
+            </p:spPr>
+            <p:txBody>
+              <a:bodyPr/>
+              <a:lstStyle/>
+              <a:p>
+                <a:r>
+                  <a:rPr lang="ko-KR" altLang="en-US">
+                    <a:noFill/>
+                  </a:rPr>
+                  <a:t> </a:t>
+                </a:r>
+              </a:p>
+            </p:txBody>
+          </p:sp>
+        </mc:Fallback>
+      </mc:AlternateContent>
+      <mc:AlternateContent xmlns:mc="http://schemas.openxmlformats.org/markup-compatibility/2006" xmlns:a14="http://schemas.microsoft.com/office/drawing/2010/main">
+        <mc:Choice Requires="a14">
+          <p:sp>
+            <p:nvSpPr>
+              <p:cNvPr id="20" name="TextBox 19">
+                <a:extLst>
+                  <a:ext uri="{FF2B5EF4-FFF2-40B4-BE49-F238E27FC236}">
+                    <a16:creationId xmlns:a16="http://schemas.microsoft.com/office/drawing/2014/main" id="{F66C828B-FE96-4132-A241-4BEF3A2C9207}"/>
+                  </a:ext>
+                </a:extLst>
+              </p:cNvPr>
+              <p:cNvSpPr txBox="1"/>
+              <p:nvPr/>
+            </p:nvSpPr>
+            <p:spPr>
+              <a:xfrm>
+                <a:off x="8773586" y="2843581"/>
+                <a:ext cx="1465914" cy="911788"/>
+              </a:xfrm>
+              <a:prstGeom prst="rect">
+                <a:avLst/>
+              </a:prstGeom>
+              <a:noFill/>
+              <a:ln>
+                <a:noFill/>
+              </a:ln>
+            </p:spPr>
+            <p:txBody>
+              <a:bodyPr wrap="none" rtlCol="0">
+                <a:spAutoFit/>
+              </a:bodyPr>
+              <a:lstStyle/>
+              <a:p>
+                <a:pPr/>
+                <a14:m>
+                  <m:oMathPara xmlns:m="http://schemas.openxmlformats.org/officeDocument/2006/math">
+                    <m:oMathParaPr>
+                      <m:jc m:val="centerGroup"/>
+                    </m:oMathParaPr>
+                    <m:oMath xmlns:m="http://schemas.openxmlformats.org/officeDocument/2006/math">
+                      <m:sSub>
+                        <m:sSubPr>
+                          <m:ctrlPr>
+                            <a:rPr lang="en-US" altLang="ko-KR" sz="2800" b="0" i="1" smtClean="0">
+                              <a:solidFill>
+                                <a:srgbClr val="4D94CF"/>
+                              </a:solidFill>
+                              <a:latin typeface="Cambria Math" panose="02040503050406030204" pitchFamily="18" charset="0"/>
+                            </a:rPr>
+                          </m:ctrlPr>
+                        </m:sSubPr>
+                        <m:e>
+                          <m:r>
+                            <a:rPr lang="en-US" altLang="ko-KR" sz="2800" b="0" i="1" smtClean="0">
+                              <a:solidFill>
+                                <a:srgbClr val="4D94CF"/>
+                              </a:solidFill>
+                              <a:latin typeface="Cambria Math" panose="02040503050406030204" pitchFamily="18" charset="0"/>
+                            </a:rPr>
+                            <m:t>𝑟</m:t>
+                          </m:r>
+                        </m:e>
+                        <m:sub>
+                          <m:r>
+                            <a:rPr lang="en-US" altLang="ko-KR" sz="2800" b="0" i="1" smtClean="0">
+                              <a:solidFill>
+                                <a:srgbClr val="4D94CF"/>
+                              </a:solidFill>
+                              <a:latin typeface="Cambria Math" panose="02040503050406030204" pitchFamily="18" charset="0"/>
+                            </a:rPr>
+                            <m:t>𝑣</m:t>
+                          </m:r>
+                        </m:sub>
+                      </m:sSub>
+                      <m:r>
+                        <a:rPr lang="en-US" altLang="ko-KR" sz="2800" b="0" i="1" smtClean="0">
+                          <a:solidFill>
+                            <a:srgbClr val="4D94CF"/>
+                          </a:solidFill>
+                          <a:latin typeface="Cambria Math" panose="02040503050406030204" pitchFamily="18" charset="0"/>
+                        </a:rPr>
+                        <m:t>=</m:t>
+                      </m:r>
+                      <m:f>
+                        <m:fPr>
+                          <m:ctrlPr>
+                            <a:rPr lang="en-US" altLang="ko-KR" sz="2800" b="0" i="1" smtClean="0">
+                              <a:solidFill>
+                                <a:srgbClr val="4D94CF"/>
+                              </a:solidFill>
+                              <a:latin typeface="Cambria Math" panose="02040503050406030204" pitchFamily="18" charset="0"/>
+                            </a:rPr>
+                          </m:ctrlPr>
+                        </m:fPr>
+                        <m:num>
+                          <m:r>
+                            <a:rPr lang="en-US" altLang="ko-KR" sz="2800" b="0" i="1" smtClean="0">
+                              <a:solidFill>
+                                <a:srgbClr val="4D94CF"/>
+                              </a:solidFill>
+                              <a:latin typeface="Cambria Math" panose="02040503050406030204" pitchFamily="18" charset="0"/>
+                            </a:rPr>
+                            <m:t>𝜕</m:t>
+                          </m:r>
+                          <m:r>
+                            <a:rPr lang="en-US" altLang="ko-KR" sz="2800" b="0" i="1" smtClean="0">
+                              <a:solidFill>
+                                <a:srgbClr val="4D94CF"/>
+                              </a:solidFill>
+                              <a:latin typeface="Cambria Math" panose="02040503050406030204" pitchFamily="18" charset="0"/>
+                            </a:rPr>
+                            <m:t>𝑟</m:t>
+                          </m:r>
+                        </m:num>
+                        <m:den>
+                          <m:r>
+                            <a:rPr lang="en-US" altLang="ko-KR" sz="2800" b="0" i="1" smtClean="0">
+                              <a:solidFill>
+                                <a:srgbClr val="4D94CF"/>
+                              </a:solidFill>
+                              <a:latin typeface="Cambria Math" panose="02040503050406030204" pitchFamily="18" charset="0"/>
+                            </a:rPr>
+                            <m:t>𝜕</m:t>
+                          </m:r>
+                          <m:r>
+                            <a:rPr lang="en-US" altLang="ko-KR" sz="2800" b="0" i="1" smtClean="0">
+                              <a:solidFill>
+                                <a:srgbClr val="4D94CF"/>
+                              </a:solidFill>
+                              <a:latin typeface="Cambria Math" panose="02040503050406030204" pitchFamily="18" charset="0"/>
+                            </a:rPr>
+                            <m:t>𝑣</m:t>
+                          </m:r>
+                        </m:den>
+                      </m:f>
+                    </m:oMath>
+                  </m:oMathPara>
+                </a14:m>
+                <a:endParaRPr lang="ko-KR" altLang="en-US" sz="2800" dirty="0">
+                  <a:solidFill>
+                    <a:srgbClr val="4D94CF"/>
+                  </a:solidFill>
+                </a:endParaRPr>
+              </a:p>
+            </p:txBody>
+          </p:sp>
+        </mc:Choice>
+        <mc:Fallback xmlns="">
+          <p:sp>
+            <p:nvSpPr>
+              <p:cNvPr id="20" name="TextBox 19">
+                <a:extLst>
+                  <a:ext uri="{FF2B5EF4-FFF2-40B4-BE49-F238E27FC236}">
+                    <a16:creationId xmlns:a16="http://schemas.microsoft.com/office/drawing/2014/main" id="{F66C828B-FE96-4132-A241-4BEF3A2C9207}"/>
+                  </a:ext>
+                </a:extLst>
+              </p:cNvPr>
+              <p:cNvSpPr txBox="1">
+                <a:spLocks noRot="1" noChangeAspect="1" noMove="1" noResize="1" noEditPoints="1" noAdjustHandles="1" noChangeArrowheads="1" noChangeShapeType="1" noTextEdit="1"/>
+              </p:cNvSpPr>
+              <p:nvPr/>
+            </p:nvSpPr>
+            <p:spPr>
+              <a:xfrm>
+                <a:off x="8773586" y="2843581"/>
+                <a:ext cx="1465914" cy="911788"/>
+              </a:xfrm>
+              <a:prstGeom prst="rect">
+                <a:avLst/>
+              </a:prstGeom>
+              <a:blipFill>
+                <a:blip r:embed="rId9"/>
+                <a:stretch>
+                  <a:fillRect/>
+                </a:stretch>
+              </a:blipFill>
+              <a:ln>
+                <a:noFill/>
+              </a:ln>
+            </p:spPr>
+            <p:txBody>
+              <a:bodyPr/>
+              <a:lstStyle/>
+              <a:p>
+                <a:r>
+                  <a:rPr lang="ko-KR" altLang="en-US">
+                    <a:noFill/>
+                  </a:rPr>
+                  <a:t> </a:t>
+                </a:r>
+              </a:p>
+            </p:txBody>
+          </p:sp>
+        </mc:Fallback>
+      </mc:AlternateContent>
+      <p:sp>
+        <p:nvSpPr>
+          <p:cNvPr id="2" name="자유형: 도형 1">
+            <a:extLst>
+              <a:ext uri="{FF2B5EF4-FFF2-40B4-BE49-F238E27FC236}">
+                <a16:creationId xmlns:a16="http://schemas.microsoft.com/office/drawing/2014/main" id="{D2B96191-36DD-4E34-A9AF-8EC0A0A12940}"/>
+              </a:ext>
+            </a:extLst>
+          </p:cNvPr>
+          <p:cNvSpPr/>
+          <p:nvPr/>
+        </p:nvSpPr>
+        <p:spPr>
+          <a:xfrm>
+            <a:off x="7357451" y="3033320"/>
+            <a:ext cx="1663006" cy="1059651"/>
+          </a:xfrm>
+          <a:custGeom>
+            <a:avLst/>
+            <a:gdLst>
+              <a:gd name="connsiteX0" fmla="*/ 1036948 w 2017336"/>
+              <a:gd name="connsiteY0" fmla="*/ 0 h 2149311"/>
+              <a:gd name="connsiteX1" fmla="*/ 0 w 2017336"/>
+              <a:gd name="connsiteY1" fmla="*/ 1564849 h 2149311"/>
+              <a:gd name="connsiteX2" fmla="*/ 980387 w 2017336"/>
+              <a:gd name="connsiteY2" fmla="*/ 2149311 h 2149311"/>
+              <a:gd name="connsiteX3" fmla="*/ 2017336 w 2017336"/>
+              <a:gd name="connsiteY3" fmla="*/ 339365 h 2149311"/>
+              <a:gd name="connsiteX4" fmla="*/ 1036948 w 2017336"/>
+              <a:gd name="connsiteY4" fmla="*/ 0 h 2149311"/>
+              <a:gd name="connsiteX0" fmla="*/ 1036948 w 2017336"/>
+              <a:gd name="connsiteY0" fmla="*/ 0 h 1564849"/>
+              <a:gd name="connsiteX1" fmla="*/ 0 w 2017336"/>
+              <a:gd name="connsiteY1" fmla="*/ 1564849 h 1564849"/>
+              <a:gd name="connsiteX2" fmla="*/ 736547 w 2017336"/>
+              <a:gd name="connsiteY2" fmla="*/ 1368261 h 1564849"/>
+              <a:gd name="connsiteX3" fmla="*/ 2017336 w 2017336"/>
+              <a:gd name="connsiteY3" fmla="*/ 339365 h 1564849"/>
+              <a:gd name="connsiteX4" fmla="*/ 1036948 w 2017336"/>
+              <a:gd name="connsiteY4" fmla="*/ 0 h 1564849"/>
+              <a:gd name="connsiteX0" fmla="*/ 945508 w 1925896"/>
+              <a:gd name="connsiteY0" fmla="*/ 0 h 1368261"/>
+              <a:gd name="connsiteX1" fmla="*/ 0 w 1925896"/>
+              <a:gd name="connsiteY1" fmla="*/ 1115269 h 1368261"/>
+              <a:gd name="connsiteX2" fmla="*/ 645107 w 1925896"/>
+              <a:gd name="connsiteY2" fmla="*/ 1368261 h 1368261"/>
+              <a:gd name="connsiteX3" fmla="*/ 1925896 w 1925896"/>
+              <a:gd name="connsiteY3" fmla="*/ 339365 h 1368261"/>
+              <a:gd name="connsiteX4" fmla="*/ 945508 w 1925896"/>
+              <a:gd name="connsiteY4" fmla="*/ 0 h 1368261"/>
+              <a:gd name="connsiteX0" fmla="*/ 1311268 w 1925896"/>
+              <a:gd name="connsiteY0" fmla="*/ 0 h 1048221"/>
+              <a:gd name="connsiteX1" fmla="*/ 0 w 1925896"/>
+              <a:gd name="connsiteY1" fmla="*/ 795229 h 1048221"/>
+              <a:gd name="connsiteX2" fmla="*/ 645107 w 1925896"/>
+              <a:gd name="connsiteY2" fmla="*/ 1048221 h 1048221"/>
+              <a:gd name="connsiteX3" fmla="*/ 1925896 w 1925896"/>
+              <a:gd name="connsiteY3" fmla="*/ 19325 h 1048221"/>
+              <a:gd name="connsiteX4" fmla="*/ 1311268 w 1925896"/>
+              <a:gd name="connsiteY4" fmla="*/ 0 h 1048221"/>
+              <a:gd name="connsiteX0" fmla="*/ 1311268 w 1834456"/>
+              <a:gd name="connsiteY0" fmla="*/ 0 h 1048221"/>
+              <a:gd name="connsiteX1" fmla="*/ 0 w 1834456"/>
+              <a:gd name="connsiteY1" fmla="*/ 795229 h 1048221"/>
+              <a:gd name="connsiteX2" fmla="*/ 645107 w 1834456"/>
+              <a:gd name="connsiteY2" fmla="*/ 1048221 h 1048221"/>
+              <a:gd name="connsiteX3" fmla="*/ 1834456 w 1834456"/>
+              <a:gd name="connsiteY3" fmla="*/ 30755 h 1048221"/>
+              <a:gd name="connsiteX4" fmla="*/ 1311268 w 1834456"/>
+              <a:gd name="connsiteY4" fmla="*/ 0 h 1048221"/>
+              <a:gd name="connsiteX0" fmla="*/ 1311268 w 1834456"/>
+              <a:gd name="connsiteY0" fmla="*/ 0 h 991071"/>
+              <a:gd name="connsiteX1" fmla="*/ 0 w 1834456"/>
+              <a:gd name="connsiteY1" fmla="*/ 795229 h 991071"/>
+              <a:gd name="connsiteX2" fmla="*/ 789887 w 1834456"/>
+              <a:gd name="connsiteY2" fmla="*/ 991071 h 991071"/>
+              <a:gd name="connsiteX3" fmla="*/ 1834456 w 1834456"/>
+              <a:gd name="connsiteY3" fmla="*/ 30755 h 991071"/>
+              <a:gd name="connsiteX4" fmla="*/ 1311268 w 1834456"/>
+              <a:gd name="connsiteY4" fmla="*/ 0 h 991071"/>
+              <a:gd name="connsiteX0" fmla="*/ 1075048 w 1834456"/>
+              <a:gd name="connsiteY0" fmla="*/ 0 h 1044411"/>
+              <a:gd name="connsiteX1" fmla="*/ 0 w 1834456"/>
+              <a:gd name="connsiteY1" fmla="*/ 848569 h 1044411"/>
+              <a:gd name="connsiteX2" fmla="*/ 789887 w 1834456"/>
+              <a:gd name="connsiteY2" fmla="*/ 1044411 h 1044411"/>
+              <a:gd name="connsiteX3" fmla="*/ 1834456 w 1834456"/>
+              <a:gd name="connsiteY3" fmla="*/ 84095 h 1044411"/>
+              <a:gd name="connsiteX4" fmla="*/ 1075048 w 1834456"/>
+              <a:gd name="connsiteY4" fmla="*/ 0 h 1044411"/>
+              <a:gd name="connsiteX0" fmla="*/ 1139818 w 1834456"/>
+              <a:gd name="connsiteY0" fmla="*/ 0 h 1013931"/>
+              <a:gd name="connsiteX1" fmla="*/ 0 w 1834456"/>
+              <a:gd name="connsiteY1" fmla="*/ 818089 h 1013931"/>
+              <a:gd name="connsiteX2" fmla="*/ 789887 w 1834456"/>
+              <a:gd name="connsiteY2" fmla="*/ 1013931 h 1013931"/>
+              <a:gd name="connsiteX3" fmla="*/ 1834456 w 1834456"/>
+              <a:gd name="connsiteY3" fmla="*/ 53615 h 1013931"/>
+              <a:gd name="connsiteX4" fmla="*/ 1139818 w 1834456"/>
+              <a:gd name="connsiteY4" fmla="*/ 0 h 1013931"/>
+              <a:gd name="connsiteX0" fmla="*/ 1139818 w 1663006"/>
+              <a:gd name="connsiteY0" fmla="*/ 0 h 1013931"/>
+              <a:gd name="connsiteX1" fmla="*/ 0 w 1663006"/>
+              <a:gd name="connsiteY1" fmla="*/ 818089 h 1013931"/>
+              <a:gd name="connsiteX2" fmla="*/ 789887 w 1663006"/>
+              <a:gd name="connsiteY2" fmla="*/ 1013931 h 1013931"/>
+              <a:gd name="connsiteX3" fmla="*/ 1663006 w 1663006"/>
+              <a:gd name="connsiteY3" fmla="*/ 99335 h 1013931"/>
+              <a:gd name="connsiteX4" fmla="*/ 1139818 w 1663006"/>
+              <a:gd name="connsiteY4" fmla="*/ 0 h 1013931"/>
+              <a:gd name="connsiteX0" fmla="*/ 1139818 w 1663006"/>
+              <a:gd name="connsiteY0" fmla="*/ 0 h 1059651"/>
+              <a:gd name="connsiteX1" fmla="*/ 0 w 1663006"/>
+              <a:gd name="connsiteY1" fmla="*/ 818089 h 1059651"/>
+              <a:gd name="connsiteX2" fmla="*/ 801317 w 1663006"/>
+              <a:gd name="connsiteY2" fmla="*/ 1059651 h 1059651"/>
+              <a:gd name="connsiteX3" fmla="*/ 1663006 w 1663006"/>
+              <a:gd name="connsiteY3" fmla="*/ 99335 h 1059651"/>
+              <a:gd name="connsiteX4" fmla="*/ 1139818 w 1663006"/>
+              <a:gd name="connsiteY4" fmla="*/ 0 h 1059651"/>
+            </a:gdLst>
+            <a:ahLst/>
+            <a:cxnLst>
+              <a:cxn ang="0">
+                <a:pos x="connsiteX0" y="connsiteY0"/>
+              </a:cxn>
+              <a:cxn ang="0">
+                <a:pos x="connsiteX1" y="connsiteY1"/>
+              </a:cxn>
+              <a:cxn ang="0">
+                <a:pos x="connsiteX2" y="connsiteY2"/>
+              </a:cxn>
+              <a:cxn ang="0">
+                <a:pos x="connsiteX3" y="connsiteY3"/>
+              </a:cxn>
+              <a:cxn ang="0">
+                <a:pos x="connsiteX4" y="connsiteY4"/>
+              </a:cxn>
+            </a:cxnLst>
+            <a:rect l="l" t="t" r="r" b="b"/>
+            <a:pathLst>
+              <a:path w="1663006" h="1059651">
+                <a:moveTo>
+                  <a:pt x="1139818" y="0"/>
+                </a:moveTo>
+                <a:lnTo>
+                  <a:pt x="0" y="818089"/>
+                </a:lnTo>
+                <a:lnTo>
+                  <a:pt x="801317" y="1059651"/>
+                </a:lnTo>
+                <a:lnTo>
+                  <a:pt x="1663006" y="99335"/>
+                </a:lnTo>
+                <a:lnTo>
+                  <a:pt x="1139818" y="0"/>
+                </a:lnTo>
+                <a:close/>
+              </a:path>
+            </a:pathLst>
+          </a:custGeom>
+          <a:solidFill>
+            <a:schemeClr val="accent1">
+              <a:alpha val="34000"/>
+            </a:schemeClr>
+          </a:solidFill>
+          <a:ln>
+            <a:noFill/>
+          </a:ln>
+        </p:spPr>
+        <p:style>
+          <a:lnRef idx="2">
+            <a:schemeClr val="accent1">
+              <a:shade val="50000"/>
+            </a:schemeClr>
+          </a:lnRef>
+          <a:fillRef idx="1">
+            <a:schemeClr val="accent1"/>
+          </a:fillRef>
+          <a:effectRef idx="0">
+            <a:schemeClr val="accent1"/>
+          </a:effectRef>
+          <a:fontRef idx="minor">
+            <a:schemeClr val="lt1"/>
+          </a:fontRef>
+        </p:style>
+        <p:txBody>
+          <a:bodyPr rtlCol="0" anchor="ctr"/>
+          <a:lstStyle/>
+          <a:p>
+            <a:pPr algn="ctr"/>
+            <a:endParaRPr lang="ko-KR" altLang="en-US"/>
+          </a:p>
+        </p:txBody>
+      </p:sp>
+      <p:cxnSp>
+        <p:nvCxnSpPr>
+          <p:cNvPr id="17" name="직선 화살표 연결선 16">
+            <a:extLst>
+              <a:ext uri="{FF2B5EF4-FFF2-40B4-BE49-F238E27FC236}">
+                <a16:creationId xmlns:a16="http://schemas.microsoft.com/office/drawing/2014/main" id="{32E73DA3-ABCD-490A-9A90-FF2F5074A617}"/>
+              </a:ext>
+            </a:extLst>
+          </p:cNvPr>
+          <p:cNvCxnSpPr>
+            <a:cxnSpLocks/>
+          </p:cNvCxnSpPr>
+          <p:nvPr/>
+        </p:nvCxnSpPr>
+        <p:spPr>
+          <a:xfrm flipH="1">
+            <a:off x="7647315" y="3494292"/>
+            <a:ext cx="554346" cy="522155"/>
+          </a:xfrm>
+          <a:prstGeom prst="straightConnector1">
+            <a:avLst/>
+          </a:prstGeom>
+          <a:ln w="19050">
+            <a:solidFill>
+              <a:srgbClr val="EF5454"/>
+            </a:solidFill>
+            <a:tailEnd type="triangle"/>
+          </a:ln>
+        </p:spPr>
+        <p:style>
+          <a:lnRef idx="1">
+            <a:schemeClr val="accent1"/>
+          </a:lnRef>
+          <a:fillRef idx="0">
+            <a:schemeClr val="accent1"/>
+          </a:fillRef>
+          <a:effectRef idx="0">
+            <a:schemeClr val="accent1"/>
+          </a:effectRef>
+          <a:fontRef idx="minor">
+            <a:schemeClr val="tx1"/>
+          </a:fontRef>
+        </p:style>
+      </p:cxnSp>
+      <p:cxnSp>
+        <p:nvCxnSpPr>
+          <p:cNvPr id="18" name="직선 화살표 연결선 17">
+            <a:extLst>
+              <a:ext uri="{FF2B5EF4-FFF2-40B4-BE49-F238E27FC236}">
+                <a16:creationId xmlns:a16="http://schemas.microsoft.com/office/drawing/2014/main" id="{5D9A2A11-EA9D-4599-881A-F36285D1C13B}"/>
+              </a:ext>
+            </a:extLst>
+          </p:cNvPr>
+          <p:cNvCxnSpPr>
+            <a:cxnSpLocks/>
+          </p:cNvCxnSpPr>
+          <p:nvPr/>
+        </p:nvCxnSpPr>
+        <p:spPr>
+          <a:xfrm>
+            <a:off x="8204120" y="3500140"/>
+            <a:ext cx="654130" cy="226040"/>
+          </a:xfrm>
+          <a:prstGeom prst="straightConnector1">
+            <a:avLst/>
+          </a:prstGeom>
+          <a:ln w="19050">
+            <a:solidFill>
+              <a:srgbClr val="4D94CF"/>
+            </a:solidFill>
+            <a:tailEnd type="triangle"/>
+          </a:ln>
+        </p:spPr>
+        <p:style>
+          <a:lnRef idx="1">
+            <a:schemeClr val="accent1"/>
+          </a:lnRef>
+          <a:fillRef idx="0">
+            <a:schemeClr val="accent1"/>
+          </a:fillRef>
+          <a:effectRef idx="0">
+            <a:schemeClr val="accent1"/>
+          </a:effectRef>
+          <a:fontRef idx="minor">
+            <a:schemeClr val="tx1"/>
+          </a:fontRef>
+        </p:style>
+      </p:cxnSp>
+      <p:sp>
+        <p:nvSpPr>
+          <p:cNvPr id="16" name="타원 15">
+            <a:extLst>
+              <a:ext uri="{FF2B5EF4-FFF2-40B4-BE49-F238E27FC236}">
+                <a16:creationId xmlns:a16="http://schemas.microsoft.com/office/drawing/2014/main" id="{C327CA3B-2367-4078-91EB-D51B8E900759}"/>
+              </a:ext>
+            </a:extLst>
+          </p:cNvPr>
+          <p:cNvSpPr/>
+          <p:nvPr/>
+        </p:nvSpPr>
+        <p:spPr>
+          <a:xfrm>
+            <a:off x="8133401" y="3429000"/>
+            <a:ext cx="141278" cy="141544"/>
+          </a:xfrm>
+          <a:prstGeom prst="ellipse">
+            <a:avLst/>
+          </a:prstGeom>
+          <a:solidFill>
+            <a:srgbClr val="EF5454"/>
+          </a:solidFill>
+          <a:ln>
+            <a:noFill/>
+          </a:ln>
+        </p:spPr>
+        <p:style>
+          <a:lnRef idx="2">
+            <a:schemeClr val="accent1">
+              <a:shade val="50000"/>
+            </a:schemeClr>
+          </a:lnRef>
+          <a:fillRef idx="1">
+            <a:schemeClr val="accent1"/>
+          </a:fillRef>
+          <a:effectRef idx="0">
+            <a:schemeClr val="accent1"/>
+          </a:effectRef>
+          <a:fontRef idx="minor">
+            <a:schemeClr val="lt1"/>
+          </a:fontRef>
+        </p:style>
+        <p:txBody>
+          <a:bodyPr rtlCol="0" anchor="ctr"/>
+          <a:lstStyle/>
+          <a:p>
+            <a:pPr algn="ctr"/>
+            <a:endParaRPr lang="ko-KR" altLang="en-US"/>
+          </a:p>
+        </p:txBody>
+      </p:sp>
+      <p:sp>
+        <p:nvSpPr>
+          <p:cNvPr id="23" name="TextBox 22">
+            <a:extLst>
+              <a:ext uri="{FF2B5EF4-FFF2-40B4-BE49-F238E27FC236}">
+                <a16:creationId xmlns:a16="http://schemas.microsoft.com/office/drawing/2014/main" id="{A5748767-93FA-4E2D-BE6A-53E17F3A4C60}"/>
+              </a:ext>
+            </a:extLst>
+          </p:cNvPr>
+          <p:cNvSpPr txBox="1"/>
+          <p:nvPr/>
+        </p:nvSpPr>
+        <p:spPr>
+          <a:xfrm>
+            <a:off x="7062176" y="2558387"/>
+            <a:ext cx="1879041" cy="369332"/>
+          </a:xfrm>
+          <a:prstGeom prst="rect">
+            <a:avLst/>
+          </a:prstGeom>
+          <a:noFill/>
+        </p:spPr>
+        <p:txBody>
+          <a:bodyPr wrap="none" rtlCol="0">
+            <a:spAutoFit/>
+          </a:bodyPr>
+          <a:lstStyle/>
+          <a:p>
+            <a:r>
+              <a:rPr lang="en-US" altLang="ko-KR" dirty="0"/>
+              <a:t>tangential</a:t>
+            </a:r>
+            <a:r>
+              <a:rPr lang="ko-KR" altLang="en-US" dirty="0"/>
+              <a:t> </a:t>
+            </a:r>
+            <a:r>
+              <a:rPr lang="en-US" altLang="ko-KR" dirty="0"/>
+              <a:t>plane</a:t>
+            </a:r>
+            <a:endParaRPr lang="ko-KR" altLang="en-US" dirty="0"/>
           </a:p>
         </p:txBody>
       </p:sp>
